--- a/Refer/Image Reference.pptx
+++ b/Refer/Image Reference.pptx
@@ -5,8 +5,9 @@
     <p:sldMasterId id="2147483648" r:id="rId1"/>
   </p:sldMasterIdLst>
   <p:sldIdLst>
-    <p:sldId id="256" r:id="rId2"/>
-    <p:sldId id="257" r:id="rId3"/>
+    <p:sldId id="258" r:id="rId2"/>
+    <p:sldId id="256" r:id="rId3"/>
+    <p:sldId id="257" r:id="rId4"/>
   </p:sldIdLst>
   <p:sldSz cx="12192000" cy="6858000"/>
   <p:notesSz cx="6858000" cy="9144000"/>
@@ -105,6 +106,11 @@
       </a:defRPr>
     </a:lvl9pPr>
   </p:defaultTextStyle>
+  <p:extLst>
+    <p:ext uri="{EFAFB233-063F-42B5-8137-9DF3F51BA10A}">
+      <p15:sldGuideLst xmlns:p15="http://schemas.microsoft.com/office/powerpoint/2012/main"/>
+    </p:ext>
+  </p:extLst>
 </p:presentation>
 </file>
 
@@ -3322,6 +3328,266 @@
           <a:chExt cx="0" cy="0"/>
         </a:xfrm>
       </p:grpSpPr>
+      <p:pic>
+        <p:nvPicPr>
+          <p:cNvPr id="5" name="그림 4">
+            <a:extLst>
+              <a:ext uri="{FF2B5EF4-FFF2-40B4-BE49-F238E27FC236}">
+                <a16:creationId xmlns:a16="http://schemas.microsoft.com/office/drawing/2014/main" id="{24EA0927-EBC5-CB37-8E50-EA6ACA1CC540}"/>
+              </a:ext>
+            </a:extLst>
+          </p:cNvPr>
+          <p:cNvPicPr>
+            <a:picLocks noChangeAspect="1"/>
+          </p:cNvPicPr>
+          <p:nvPr/>
+        </p:nvPicPr>
+        <p:blipFill>
+          <a:blip r:embed="rId2">
+            <a:extLst>
+              <a:ext uri="{28A0092B-C50C-407E-A947-70E740481C1C}">
+                <a14:useLocalDpi xmlns:a14="http://schemas.microsoft.com/office/drawing/2010/main" val="0"/>
+              </a:ext>
+            </a:extLst>
+          </a:blip>
+          <a:stretch>
+            <a:fillRect/>
+          </a:stretch>
+        </p:blipFill>
+        <p:spPr>
+          <a:xfrm>
+            <a:off x="1341261" y="1332781"/>
+            <a:ext cx="1419423" cy="1790950"/>
+          </a:xfrm>
+          <a:prstGeom prst="rect">
+            <a:avLst/>
+          </a:prstGeom>
+        </p:spPr>
+      </p:pic>
+      <p:pic>
+        <p:nvPicPr>
+          <p:cNvPr id="7" name="그림 6">
+            <a:extLst>
+              <a:ext uri="{FF2B5EF4-FFF2-40B4-BE49-F238E27FC236}">
+                <a16:creationId xmlns:a16="http://schemas.microsoft.com/office/drawing/2014/main" id="{4218830E-247B-B3AB-06E7-023B9761437D}"/>
+              </a:ext>
+            </a:extLst>
+          </p:cNvPr>
+          <p:cNvPicPr>
+            <a:picLocks noChangeAspect="1"/>
+          </p:cNvPicPr>
+          <p:nvPr/>
+        </p:nvPicPr>
+        <p:blipFill>
+          <a:blip r:embed="rId3">
+            <a:extLst>
+              <a:ext uri="{28A0092B-C50C-407E-A947-70E740481C1C}">
+                <a14:useLocalDpi xmlns:a14="http://schemas.microsoft.com/office/drawing/2010/main" val="0"/>
+              </a:ext>
+            </a:extLst>
+          </a:blip>
+          <a:stretch>
+            <a:fillRect/>
+          </a:stretch>
+        </p:blipFill>
+        <p:spPr>
+          <a:xfrm>
+            <a:off x="1341261" y="3123731"/>
+            <a:ext cx="1352739" cy="1790950"/>
+          </a:xfrm>
+          <a:prstGeom prst="rect">
+            <a:avLst/>
+          </a:prstGeom>
+        </p:spPr>
+      </p:pic>
+      <p:pic>
+        <p:nvPicPr>
+          <p:cNvPr id="9" name="그림 8">
+            <a:extLst>
+              <a:ext uri="{FF2B5EF4-FFF2-40B4-BE49-F238E27FC236}">
+                <a16:creationId xmlns:a16="http://schemas.microsoft.com/office/drawing/2014/main" id="{3E18DBB0-059F-A2FA-EDD0-375CF53F8912}"/>
+              </a:ext>
+            </a:extLst>
+          </p:cNvPr>
+          <p:cNvPicPr>
+            <a:picLocks noChangeAspect="1"/>
+          </p:cNvPicPr>
+          <p:nvPr/>
+        </p:nvPicPr>
+        <p:blipFill>
+          <a:blip r:embed="rId4">
+            <a:extLst>
+              <a:ext uri="{28A0092B-C50C-407E-A947-70E740481C1C}">
+                <a14:useLocalDpi xmlns:a14="http://schemas.microsoft.com/office/drawing/2010/main" val="0"/>
+              </a:ext>
+            </a:extLst>
+          </a:blip>
+          <a:stretch>
+            <a:fillRect/>
+          </a:stretch>
+        </p:blipFill>
+        <p:spPr>
+          <a:xfrm>
+            <a:off x="1365076" y="4953212"/>
+            <a:ext cx="1305107" cy="571580"/>
+          </a:xfrm>
+          <a:prstGeom prst="rect">
+            <a:avLst/>
+          </a:prstGeom>
+        </p:spPr>
+      </p:pic>
+      <p:pic>
+        <p:nvPicPr>
+          <p:cNvPr id="11" name="그림 10">
+            <a:extLst>
+              <a:ext uri="{FF2B5EF4-FFF2-40B4-BE49-F238E27FC236}">
+                <a16:creationId xmlns:a16="http://schemas.microsoft.com/office/drawing/2014/main" id="{C96D18D6-CA49-FEC0-1924-E48B18B0A740}"/>
+              </a:ext>
+            </a:extLst>
+          </p:cNvPr>
+          <p:cNvPicPr>
+            <a:picLocks noChangeAspect="1"/>
+          </p:cNvPicPr>
+          <p:nvPr/>
+        </p:nvPicPr>
+        <p:blipFill>
+          <a:blip r:embed="rId5">
+            <a:extLst>
+              <a:ext uri="{28A0092B-C50C-407E-A947-70E740481C1C}">
+                <a14:useLocalDpi xmlns:a14="http://schemas.microsoft.com/office/drawing/2010/main" val="0"/>
+              </a:ext>
+            </a:extLst>
+          </a:blip>
+          <a:stretch>
+            <a:fillRect/>
+          </a:stretch>
+        </p:blipFill>
+        <p:spPr>
+          <a:xfrm>
+            <a:off x="3425171" y="1333207"/>
+            <a:ext cx="7068536" cy="4191585"/>
+          </a:xfrm>
+          <a:prstGeom prst="rect">
+            <a:avLst/>
+          </a:prstGeom>
+        </p:spPr>
+      </p:pic>
+      <p:sp>
+        <p:nvSpPr>
+          <p:cNvPr id="12" name="TextBox 11">
+            <a:extLst>
+              <a:ext uri="{FF2B5EF4-FFF2-40B4-BE49-F238E27FC236}">
+                <a16:creationId xmlns:a16="http://schemas.microsoft.com/office/drawing/2014/main" id="{4320ED89-B592-706E-D0A2-A8C416092623}"/>
+              </a:ext>
+            </a:extLst>
+          </p:cNvPr>
+          <p:cNvSpPr txBox="1"/>
+          <p:nvPr/>
+        </p:nvSpPr>
+        <p:spPr>
+          <a:xfrm>
+            <a:off x="1531758" y="963449"/>
+            <a:ext cx="971741" cy="369332"/>
+          </a:xfrm>
+          <a:prstGeom prst="rect">
+            <a:avLst/>
+          </a:prstGeom>
+          <a:noFill/>
+        </p:spPr>
+        <p:txBody>
+          <a:bodyPr wrap="none" rtlCol="0">
+            <a:spAutoFit/>
+          </a:bodyPr>
+          <a:lstStyle/>
+          <a:p>
+            <a:r>
+              <a:rPr lang="en-US" altLang="ko-KR" dirty="0">
+                <a:latin typeface="Tahoma" panose="020B0604030504040204" pitchFamily="34" charset="0"/>
+                <a:ea typeface="Tahoma" panose="020B0604030504040204" pitchFamily="34" charset="0"/>
+                <a:cs typeface="Tahoma" panose="020B0604030504040204" pitchFamily="34" charset="0"/>
+              </a:rPr>
+              <a:t>Job List</a:t>
+            </a:r>
+            <a:endParaRPr lang="ko-KR" altLang="en-US" dirty="0">
+              <a:latin typeface="Tahoma" panose="020B0604030504040204" pitchFamily="34" charset="0"/>
+              <a:cs typeface="Tahoma" panose="020B0604030504040204" pitchFamily="34" charset="0"/>
+            </a:endParaRPr>
+          </a:p>
+        </p:txBody>
+      </p:sp>
+      <p:sp>
+        <p:nvSpPr>
+          <p:cNvPr id="13" name="TextBox 12">
+            <a:extLst>
+              <a:ext uri="{FF2B5EF4-FFF2-40B4-BE49-F238E27FC236}">
+                <a16:creationId xmlns:a16="http://schemas.microsoft.com/office/drawing/2014/main" id="{995171C2-0A7F-2E12-71FA-CBDED4E9D04A}"/>
+              </a:ext>
+            </a:extLst>
+          </p:cNvPr>
+          <p:cNvSpPr txBox="1"/>
+          <p:nvPr/>
+        </p:nvSpPr>
+        <p:spPr>
+          <a:xfrm>
+            <a:off x="6513099" y="963449"/>
+            <a:ext cx="892680" cy="369332"/>
+          </a:xfrm>
+          <a:prstGeom prst="rect">
+            <a:avLst/>
+          </a:prstGeom>
+          <a:noFill/>
+        </p:spPr>
+        <p:txBody>
+          <a:bodyPr wrap="none" rtlCol="0">
+            <a:spAutoFit/>
+          </a:bodyPr>
+          <a:lstStyle/>
+          <a:p>
+            <a:r>
+              <a:rPr lang="en-US" altLang="ko-KR" dirty="0">
+                <a:latin typeface="Tahoma" panose="020B0604030504040204" pitchFamily="34" charset="0"/>
+                <a:ea typeface="Tahoma" panose="020B0604030504040204" pitchFamily="34" charset="0"/>
+                <a:cs typeface="Tahoma" panose="020B0604030504040204" pitchFamily="34" charset="0"/>
+              </a:rPr>
+              <a:t>Recruit</a:t>
+            </a:r>
+            <a:endParaRPr lang="ko-KR" altLang="en-US" dirty="0">
+              <a:latin typeface="Tahoma" panose="020B0604030504040204" pitchFamily="34" charset="0"/>
+              <a:cs typeface="Tahoma" panose="020B0604030504040204" pitchFamily="34" charset="0"/>
+            </a:endParaRPr>
+          </a:p>
+        </p:txBody>
+      </p:sp>
+    </p:spTree>
+    <p:extLst>
+      <p:ext uri="{BB962C8B-B14F-4D97-AF65-F5344CB8AC3E}">
+        <p14:creationId xmlns:p14="http://schemas.microsoft.com/office/powerpoint/2010/main" val="3987555768"/>
+      </p:ext>
+    </p:extLst>
+  </p:cSld>
+  <p:clrMapOvr>
+    <a:masterClrMapping/>
+  </p:clrMapOvr>
+</p:sld>
+</file>
+
+<file path=ppt/slides/slide2.xml><?xml version="1.0" encoding="utf-8"?>
+<p:sld xmlns:a="http://schemas.openxmlformats.org/drawingml/2006/main" xmlns:r="http://schemas.openxmlformats.org/officeDocument/2006/relationships" xmlns:p="http://schemas.openxmlformats.org/presentationml/2006/main">
+  <p:cSld>
+    <p:spTree>
+      <p:nvGrpSpPr>
+        <p:cNvPr id="1" name=""/>
+        <p:cNvGrpSpPr/>
+        <p:nvPr/>
+      </p:nvGrpSpPr>
+      <p:grpSpPr>
+        <a:xfrm>
+          <a:off x="0" y="0"/>
+          <a:ext cx="0" cy="0"/>
+          <a:chOff x="0" y="0"/>
+          <a:chExt cx="0" cy="0"/>
+        </a:xfrm>
+      </p:grpSpPr>
       <p:sp>
         <p:nvSpPr>
           <p:cNvPr id="4" name="직사각형 3">
@@ -5143,7 +5409,7 @@
 </p:sld>
 </file>
 
-<file path=ppt/slides/slide2.xml><?xml version="1.0" encoding="utf-8"?>
+<file path=ppt/slides/slide3.xml><?xml version="1.0" encoding="utf-8"?>
 <p:sld xmlns:a="http://schemas.openxmlformats.org/drawingml/2006/main" xmlns:r="http://schemas.openxmlformats.org/officeDocument/2006/relationships" xmlns:p="http://schemas.openxmlformats.org/presentationml/2006/main">
   <p:cSld>
     <p:spTree>

--- a/Refer/Image Reference.pptx
+++ b/Refer/Image Reference.pptx
@@ -8,6 +8,8 @@
     <p:sldId id="258" r:id="rId2"/>
     <p:sldId id="256" r:id="rId3"/>
     <p:sldId id="257" r:id="rId4"/>
+    <p:sldId id="259" r:id="rId5"/>
+    <p:sldId id="260" r:id="rId6"/>
   </p:sldIdLst>
   <p:sldSz cx="12192000" cy="6858000"/>
   <p:notesSz cx="6858000" cy="9144000"/>
@@ -6639,6 +6641,4054 @@
 </p:sld>
 </file>
 
+<file path=ppt/slides/slide4.xml><?xml version="1.0" encoding="utf-8"?>
+<p:sld xmlns:a="http://schemas.openxmlformats.org/drawingml/2006/main" xmlns:r="http://schemas.openxmlformats.org/officeDocument/2006/relationships" xmlns:p="http://schemas.openxmlformats.org/presentationml/2006/main">
+  <p:cSld>
+    <p:spTree>
+      <p:nvGrpSpPr>
+        <p:cNvPr id="1" name=""/>
+        <p:cNvGrpSpPr/>
+        <p:nvPr/>
+      </p:nvGrpSpPr>
+      <p:grpSpPr>
+        <a:xfrm>
+          <a:off x="0" y="0"/>
+          <a:ext cx="0" cy="0"/>
+          <a:chOff x="0" y="0"/>
+          <a:chExt cx="0" cy="0"/>
+        </a:xfrm>
+      </p:grpSpPr>
+      <p:sp>
+        <p:nvSpPr>
+          <p:cNvPr id="4" name="직사각형 3">
+            <a:extLst>
+              <a:ext uri="{FF2B5EF4-FFF2-40B4-BE49-F238E27FC236}">
+                <a16:creationId xmlns:a16="http://schemas.microsoft.com/office/drawing/2014/main" id="{E1217168-1D98-9FC0-3EA2-15384EDE2DBE}"/>
+              </a:ext>
+            </a:extLst>
+          </p:cNvPr>
+          <p:cNvSpPr/>
+          <p:nvPr/>
+        </p:nvSpPr>
+        <p:spPr>
+          <a:xfrm>
+            <a:off x="1998166" y="802994"/>
+            <a:ext cx="4071430" cy="5252011"/>
+          </a:xfrm>
+          <a:prstGeom prst="rect">
+            <a:avLst/>
+          </a:prstGeom>
+          <a:noFill/>
+          <a:ln>
+            <a:solidFill>
+              <a:schemeClr val="tx1"/>
+            </a:solidFill>
+          </a:ln>
+        </p:spPr>
+        <p:style>
+          <a:lnRef idx="2">
+            <a:schemeClr val="accent1">
+              <a:shade val="50000"/>
+            </a:schemeClr>
+          </a:lnRef>
+          <a:fillRef idx="1">
+            <a:schemeClr val="accent1"/>
+          </a:fillRef>
+          <a:effectRef idx="0">
+            <a:schemeClr val="accent1"/>
+          </a:effectRef>
+          <a:fontRef idx="minor">
+            <a:schemeClr val="lt1"/>
+          </a:fontRef>
+        </p:style>
+        <p:txBody>
+          <a:bodyPr rtlCol="0" anchor="ctr"/>
+          <a:lstStyle/>
+          <a:p>
+            <a:pPr algn="ctr"/>
+            <a:endParaRPr lang="ko-KR" altLang="en-US"/>
+          </a:p>
+        </p:txBody>
+      </p:sp>
+      <p:sp>
+        <p:nvSpPr>
+          <p:cNvPr id="12" name="TextBox 11">
+            <a:extLst>
+              <a:ext uri="{FF2B5EF4-FFF2-40B4-BE49-F238E27FC236}">
+                <a16:creationId xmlns:a16="http://schemas.microsoft.com/office/drawing/2014/main" id="{4E623402-055E-5001-AC21-3AA648F8BDF6}"/>
+              </a:ext>
+            </a:extLst>
+          </p:cNvPr>
+          <p:cNvSpPr txBox="1"/>
+          <p:nvPr/>
+        </p:nvSpPr>
+        <p:spPr>
+          <a:xfrm>
+            <a:off x="2870838" y="869988"/>
+            <a:ext cx="2326086" cy="461665"/>
+          </a:xfrm>
+          <a:prstGeom prst="rect">
+            <a:avLst/>
+          </a:prstGeom>
+          <a:noFill/>
+        </p:spPr>
+        <p:txBody>
+          <a:bodyPr wrap="none" rtlCol="0">
+            <a:spAutoFit/>
+          </a:bodyPr>
+          <a:lstStyle/>
+          <a:p>
+            <a:r>
+              <a:rPr lang="en-US" altLang="ko-KR" sz="2400" dirty="0">
+                <a:effectLst>
+                  <a:outerShdw blurRad="38100" dist="38100" dir="2700000" algn="tl">
+                    <a:srgbClr val="000000">
+                      <a:alpha val="43137"/>
+                    </a:srgbClr>
+                  </a:outerShdw>
+                </a:effectLst>
+                <a:latin typeface="Tahoma" panose="020B0604030504040204" pitchFamily="34" charset="0"/>
+                <a:ea typeface="Tahoma" panose="020B0604030504040204" pitchFamily="34" charset="0"/>
+                <a:cs typeface="Tahoma" panose="020B0604030504040204" pitchFamily="34" charset="0"/>
+              </a:rPr>
+              <a:t>R</a:t>
+            </a:r>
+            <a:r>
+              <a:rPr lang="en-US" altLang="ko-KR" sz="2400" b="0" i="0" dirty="0">
+                <a:effectLst>
+                  <a:outerShdw blurRad="38100" dist="38100" dir="2700000" algn="tl">
+                    <a:srgbClr val="000000">
+                      <a:alpha val="43137"/>
+                    </a:srgbClr>
+                  </a:outerShdw>
+                </a:effectLst>
+                <a:latin typeface="Tahoma" panose="020B0604030504040204" pitchFamily="34" charset="0"/>
+                <a:ea typeface="Tahoma" panose="020B0604030504040204" pitchFamily="34" charset="0"/>
+                <a:cs typeface="Tahoma" panose="020B0604030504040204" pitchFamily="34" charset="0"/>
+              </a:rPr>
+              <a:t>ecruit Member</a:t>
+            </a:r>
+            <a:endParaRPr lang="ko-KR" altLang="en-US" sz="2400" dirty="0">
+              <a:effectLst>
+                <a:outerShdw blurRad="38100" dist="38100" dir="2700000" algn="tl">
+                  <a:srgbClr val="000000">
+                    <a:alpha val="43137"/>
+                  </a:srgbClr>
+                </a:outerShdw>
+              </a:effectLst>
+              <a:latin typeface="Tahoma" panose="020B0604030504040204" pitchFamily="34" charset="0"/>
+              <a:cs typeface="Tahoma" panose="020B0604030504040204" pitchFamily="34" charset="0"/>
+            </a:endParaRPr>
+          </a:p>
+        </p:txBody>
+      </p:sp>
+      <p:sp>
+        <p:nvSpPr>
+          <p:cNvPr id="21" name="직사각형 20">
+            <a:extLst>
+              <a:ext uri="{FF2B5EF4-FFF2-40B4-BE49-F238E27FC236}">
+                <a16:creationId xmlns:a16="http://schemas.microsoft.com/office/drawing/2014/main" id="{630D9741-3D7F-AAE9-525A-671BBCF71788}"/>
+              </a:ext>
+            </a:extLst>
+          </p:cNvPr>
+          <p:cNvSpPr/>
+          <p:nvPr/>
+        </p:nvSpPr>
+        <p:spPr>
+          <a:xfrm>
+            <a:off x="6067577" y="3429000"/>
+            <a:ext cx="4071430" cy="2626005"/>
+          </a:xfrm>
+          <a:prstGeom prst="rect">
+            <a:avLst/>
+          </a:prstGeom>
+          <a:noFill/>
+          <a:ln>
+            <a:solidFill>
+              <a:schemeClr val="tx1"/>
+            </a:solidFill>
+          </a:ln>
+        </p:spPr>
+        <p:style>
+          <a:lnRef idx="2">
+            <a:schemeClr val="accent1">
+              <a:shade val="50000"/>
+            </a:schemeClr>
+          </a:lnRef>
+          <a:fillRef idx="1">
+            <a:schemeClr val="accent1"/>
+          </a:fillRef>
+          <a:effectRef idx="0">
+            <a:schemeClr val="accent1"/>
+          </a:effectRef>
+          <a:fontRef idx="minor">
+            <a:schemeClr val="lt1"/>
+          </a:fontRef>
+        </p:style>
+        <p:txBody>
+          <a:bodyPr rtlCol="0" anchor="ctr"/>
+          <a:lstStyle/>
+          <a:p>
+            <a:pPr algn="ctr"/>
+            <a:endParaRPr lang="ko-KR" altLang="en-US"/>
+          </a:p>
+        </p:txBody>
+      </p:sp>
+      <p:sp>
+        <p:nvSpPr>
+          <p:cNvPr id="22" name="직사각형 21">
+            <a:extLst>
+              <a:ext uri="{FF2B5EF4-FFF2-40B4-BE49-F238E27FC236}">
+                <a16:creationId xmlns:a16="http://schemas.microsoft.com/office/drawing/2014/main" id="{8DC08657-6F53-58BA-1548-01350A20237B}"/>
+              </a:ext>
+            </a:extLst>
+          </p:cNvPr>
+          <p:cNvSpPr/>
+          <p:nvPr/>
+        </p:nvSpPr>
+        <p:spPr>
+          <a:xfrm>
+            <a:off x="6067577" y="800207"/>
+            <a:ext cx="4071430" cy="2626005"/>
+          </a:xfrm>
+          <a:prstGeom prst="rect">
+            <a:avLst/>
+          </a:prstGeom>
+          <a:noFill/>
+          <a:ln>
+            <a:solidFill>
+              <a:schemeClr val="tx1"/>
+            </a:solidFill>
+          </a:ln>
+        </p:spPr>
+        <p:style>
+          <a:lnRef idx="2">
+            <a:schemeClr val="accent1">
+              <a:shade val="50000"/>
+            </a:schemeClr>
+          </a:lnRef>
+          <a:fillRef idx="1">
+            <a:schemeClr val="accent1"/>
+          </a:fillRef>
+          <a:effectRef idx="0">
+            <a:schemeClr val="accent1"/>
+          </a:effectRef>
+          <a:fontRef idx="minor">
+            <a:schemeClr val="lt1"/>
+          </a:fontRef>
+        </p:style>
+        <p:txBody>
+          <a:bodyPr rtlCol="0" anchor="ctr"/>
+          <a:lstStyle/>
+          <a:p>
+            <a:pPr algn="ctr"/>
+            <a:endParaRPr lang="ko-KR" altLang="en-US"/>
+          </a:p>
+        </p:txBody>
+      </p:sp>
+      <p:sp>
+        <p:nvSpPr>
+          <p:cNvPr id="23" name="TextBox 22">
+            <a:extLst>
+              <a:ext uri="{FF2B5EF4-FFF2-40B4-BE49-F238E27FC236}">
+                <a16:creationId xmlns:a16="http://schemas.microsoft.com/office/drawing/2014/main" id="{47495B2D-B516-3F87-EB58-71E5F1546480}"/>
+              </a:ext>
+            </a:extLst>
+          </p:cNvPr>
+          <p:cNvSpPr txBox="1"/>
+          <p:nvPr/>
+        </p:nvSpPr>
+        <p:spPr>
+          <a:xfrm>
+            <a:off x="7417895" y="797419"/>
+            <a:ext cx="1372812" cy="400110"/>
+          </a:xfrm>
+          <a:prstGeom prst="rect">
+            <a:avLst/>
+          </a:prstGeom>
+          <a:noFill/>
+        </p:spPr>
+        <p:txBody>
+          <a:bodyPr wrap="none" rtlCol="0">
+            <a:spAutoFit/>
+          </a:bodyPr>
+          <a:lstStyle/>
+          <a:p>
+            <a:r>
+              <a:rPr lang="en-US" altLang="ko-KR" sz="2000" dirty="0">
+                <a:effectLst>
+                  <a:outerShdw blurRad="38100" dist="38100" dir="2700000" algn="tl">
+                    <a:srgbClr val="000000">
+                      <a:alpha val="43137"/>
+                    </a:srgbClr>
+                  </a:outerShdw>
+                </a:effectLst>
+                <a:latin typeface="Tahoma" panose="020B0604030504040204" pitchFamily="34" charset="0"/>
+                <a:cs typeface="Tahoma" panose="020B0604030504040204" pitchFamily="34" charset="0"/>
+              </a:rPr>
+              <a:t>On Project</a:t>
+            </a:r>
+            <a:endParaRPr lang="ko-KR" altLang="en-US" sz="2000" dirty="0">
+              <a:effectLst>
+                <a:outerShdw blurRad="38100" dist="38100" dir="2700000" algn="tl">
+                  <a:srgbClr val="000000">
+                    <a:alpha val="43137"/>
+                  </a:srgbClr>
+                </a:outerShdw>
+              </a:effectLst>
+              <a:latin typeface="Tahoma" panose="020B0604030504040204" pitchFamily="34" charset="0"/>
+              <a:cs typeface="Tahoma" panose="020B0604030504040204" pitchFamily="34" charset="0"/>
+            </a:endParaRPr>
+          </a:p>
+        </p:txBody>
+      </p:sp>
+      <p:sp>
+        <p:nvSpPr>
+          <p:cNvPr id="24" name="TextBox 23">
+            <a:extLst>
+              <a:ext uri="{FF2B5EF4-FFF2-40B4-BE49-F238E27FC236}">
+                <a16:creationId xmlns:a16="http://schemas.microsoft.com/office/drawing/2014/main" id="{60F30AA3-006B-8D72-5047-EE3A44997D65}"/>
+              </a:ext>
+            </a:extLst>
+          </p:cNvPr>
+          <p:cNvSpPr txBox="1"/>
+          <p:nvPr/>
+        </p:nvSpPr>
+        <p:spPr>
+          <a:xfrm>
+            <a:off x="7339525" y="3472206"/>
+            <a:ext cx="1527534" cy="400110"/>
+          </a:xfrm>
+          <a:prstGeom prst="rect">
+            <a:avLst/>
+          </a:prstGeom>
+          <a:noFill/>
+        </p:spPr>
+        <p:txBody>
+          <a:bodyPr wrap="none" rtlCol="0">
+            <a:spAutoFit/>
+          </a:bodyPr>
+          <a:lstStyle/>
+          <a:p>
+            <a:r>
+              <a:rPr lang="en-US" altLang="ko-KR" sz="2000" dirty="0">
+                <a:effectLst>
+                  <a:outerShdw blurRad="38100" dist="38100" dir="2700000" algn="tl">
+                    <a:srgbClr val="000000">
+                      <a:alpha val="43137"/>
+                    </a:srgbClr>
+                  </a:outerShdw>
+                </a:effectLst>
+                <a:latin typeface="Tahoma" panose="020B0604030504040204" pitchFamily="34" charset="0"/>
+                <a:ea typeface="Tahoma" panose="020B0604030504040204" pitchFamily="34" charset="0"/>
+                <a:cs typeface="Tahoma" panose="020B0604030504040204" pitchFamily="34" charset="0"/>
+              </a:rPr>
+              <a:t>PORTFOLIO</a:t>
+            </a:r>
+            <a:endParaRPr lang="ko-KR" altLang="en-US" sz="2000" dirty="0">
+              <a:effectLst>
+                <a:outerShdw blurRad="38100" dist="38100" dir="2700000" algn="tl">
+                  <a:srgbClr val="000000">
+                    <a:alpha val="43137"/>
+                  </a:srgbClr>
+                </a:outerShdw>
+              </a:effectLst>
+              <a:latin typeface="Tahoma" panose="020B0604030504040204" pitchFamily="34" charset="0"/>
+              <a:cs typeface="Tahoma" panose="020B0604030504040204" pitchFamily="34" charset="0"/>
+            </a:endParaRPr>
+          </a:p>
+        </p:txBody>
+      </p:sp>
+      <p:sp>
+        <p:nvSpPr>
+          <p:cNvPr id="32" name="직사각형 31">
+            <a:extLst>
+              <a:ext uri="{FF2B5EF4-FFF2-40B4-BE49-F238E27FC236}">
+                <a16:creationId xmlns:a16="http://schemas.microsoft.com/office/drawing/2014/main" id="{A8535A6F-3EB9-AAE3-E0F7-0BCE186B6A54}"/>
+              </a:ext>
+            </a:extLst>
+          </p:cNvPr>
+          <p:cNvSpPr/>
+          <p:nvPr/>
+        </p:nvSpPr>
+        <p:spPr>
+          <a:xfrm>
+            <a:off x="6333060" y="1227774"/>
+            <a:ext cx="3537079" cy="599285"/>
+          </a:xfrm>
+          <a:prstGeom prst="rect">
+            <a:avLst/>
+          </a:prstGeom>
+          <a:solidFill>
+            <a:schemeClr val="bg1"/>
+          </a:solidFill>
+          <a:ln>
+            <a:solidFill>
+              <a:schemeClr val="tx1"/>
+            </a:solidFill>
+          </a:ln>
+        </p:spPr>
+        <p:style>
+          <a:lnRef idx="2">
+            <a:schemeClr val="accent1">
+              <a:shade val="50000"/>
+            </a:schemeClr>
+          </a:lnRef>
+          <a:fillRef idx="1">
+            <a:schemeClr val="accent1"/>
+          </a:fillRef>
+          <a:effectRef idx="0">
+            <a:schemeClr val="accent1"/>
+          </a:effectRef>
+          <a:fontRef idx="minor">
+            <a:schemeClr val="lt1"/>
+          </a:fontRef>
+        </p:style>
+        <p:txBody>
+          <a:bodyPr rtlCol="0" anchor="ctr"/>
+          <a:lstStyle/>
+          <a:p>
+            <a:r>
+              <a:rPr lang="en-US" altLang="ko-KR" sz="1100" dirty="0">
+                <a:solidFill>
+                  <a:schemeClr val="tx1"/>
+                </a:solidFill>
+              </a:rPr>
+              <a:t>OOO</a:t>
+            </a:r>
+            <a:r>
+              <a:rPr lang="ko-KR" altLang="en-US" sz="1100" dirty="0">
+                <a:solidFill>
+                  <a:schemeClr val="tx1"/>
+                </a:solidFill>
+              </a:rPr>
+              <a:t> 프로젝트 개발 현황</a:t>
+            </a:r>
+          </a:p>
+        </p:txBody>
+      </p:sp>
+      <p:sp>
+        <p:nvSpPr>
+          <p:cNvPr id="2" name="직사각형 1">
+            <a:extLst>
+              <a:ext uri="{FF2B5EF4-FFF2-40B4-BE49-F238E27FC236}">
+                <a16:creationId xmlns:a16="http://schemas.microsoft.com/office/drawing/2014/main" id="{96EF6EA2-D5B4-0365-FAA8-4963881B8404}"/>
+              </a:ext>
+            </a:extLst>
+          </p:cNvPr>
+          <p:cNvSpPr/>
+          <p:nvPr/>
+        </p:nvSpPr>
+        <p:spPr>
+          <a:xfrm>
+            <a:off x="2321861" y="1491725"/>
+            <a:ext cx="3384672" cy="377220"/>
+          </a:xfrm>
+          <a:prstGeom prst="rect">
+            <a:avLst/>
+          </a:prstGeom>
+          <a:solidFill>
+            <a:schemeClr val="bg1"/>
+          </a:solidFill>
+          <a:ln>
+            <a:solidFill>
+              <a:schemeClr val="tx1"/>
+            </a:solidFill>
+          </a:ln>
+        </p:spPr>
+        <p:style>
+          <a:lnRef idx="2">
+            <a:schemeClr val="accent1">
+              <a:shade val="50000"/>
+            </a:schemeClr>
+          </a:lnRef>
+          <a:fillRef idx="1">
+            <a:schemeClr val="accent1"/>
+          </a:fillRef>
+          <a:effectRef idx="0">
+            <a:schemeClr val="accent1"/>
+          </a:effectRef>
+          <a:fontRef idx="minor">
+            <a:schemeClr val="lt1"/>
+          </a:fontRef>
+        </p:style>
+        <p:txBody>
+          <a:bodyPr rtlCol="0" anchor="ctr"/>
+          <a:lstStyle/>
+          <a:p>
+            <a:r>
+              <a:rPr lang="ko-KR" altLang="en-US" sz="1100" dirty="0">
+                <a:solidFill>
+                  <a:schemeClr val="tx1"/>
+                </a:solidFill>
+                <a:latin typeface="Tahoma" panose="020B0604030504040204" pitchFamily="34" charset="0"/>
+                <a:cs typeface="Tahoma" panose="020B0604030504040204" pitchFamily="34" charset="0"/>
+              </a:rPr>
+              <a:t>프론트 엔드 개발자 모집</a:t>
+            </a:r>
+            <a:endParaRPr lang="en-US" altLang="ko-KR" sz="1100" dirty="0">
+              <a:solidFill>
+                <a:schemeClr val="tx1"/>
+              </a:solidFill>
+              <a:latin typeface="Tahoma" panose="020B0604030504040204" pitchFamily="34" charset="0"/>
+              <a:cs typeface="Tahoma" panose="020B0604030504040204" pitchFamily="34" charset="0"/>
+            </a:endParaRPr>
+          </a:p>
+          <a:p>
+            <a:r>
+              <a:rPr lang="ko-KR" altLang="en-US" sz="800" dirty="0">
+                <a:solidFill>
+                  <a:schemeClr val="tx1"/>
+                </a:solidFill>
+                <a:latin typeface="Tahoma" panose="020B0604030504040204" pitchFamily="34" charset="0"/>
+                <a:cs typeface="Tahoma" panose="020B0604030504040204" pitchFamily="34" charset="0"/>
+              </a:rPr>
+              <a:t> 경력 무관</a:t>
+            </a:r>
+            <a:r>
+              <a:rPr lang="en-US" altLang="ko-KR" sz="800" dirty="0">
+                <a:solidFill>
+                  <a:schemeClr val="tx1"/>
+                </a:solidFill>
+                <a:latin typeface="Tahoma" panose="020B0604030504040204" pitchFamily="34" charset="0"/>
+                <a:cs typeface="Tahoma" panose="020B0604030504040204" pitchFamily="34" charset="0"/>
+              </a:rPr>
+              <a:t>, </a:t>
+            </a:r>
+            <a:r>
+              <a:rPr lang="ko-KR" altLang="en-US" sz="800" dirty="0">
+                <a:solidFill>
+                  <a:schemeClr val="tx1"/>
+                </a:solidFill>
+                <a:latin typeface="Tahoma" panose="020B0604030504040204" pitchFamily="34" charset="0"/>
+                <a:cs typeface="Tahoma" panose="020B0604030504040204" pitchFamily="34" charset="0"/>
+              </a:rPr>
+              <a:t>학력무관</a:t>
+            </a:r>
+          </a:p>
+        </p:txBody>
+      </p:sp>
+      <p:sp>
+        <p:nvSpPr>
+          <p:cNvPr id="6" name="직사각형 5">
+            <a:extLst>
+              <a:ext uri="{FF2B5EF4-FFF2-40B4-BE49-F238E27FC236}">
+                <a16:creationId xmlns:a16="http://schemas.microsoft.com/office/drawing/2014/main" id="{189B68F5-E209-1CF1-F699-614E90AE87E2}"/>
+              </a:ext>
+            </a:extLst>
+          </p:cNvPr>
+          <p:cNvSpPr/>
+          <p:nvPr/>
+        </p:nvSpPr>
+        <p:spPr>
+          <a:xfrm>
+            <a:off x="2303493" y="3029892"/>
+            <a:ext cx="3384672" cy="377220"/>
+          </a:xfrm>
+          <a:prstGeom prst="rect">
+            <a:avLst/>
+          </a:prstGeom>
+          <a:solidFill>
+            <a:schemeClr val="bg1"/>
+          </a:solidFill>
+          <a:ln>
+            <a:solidFill>
+              <a:schemeClr val="tx1"/>
+            </a:solidFill>
+          </a:ln>
+        </p:spPr>
+        <p:style>
+          <a:lnRef idx="2">
+            <a:schemeClr val="accent1">
+              <a:shade val="50000"/>
+            </a:schemeClr>
+          </a:lnRef>
+          <a:fillRef idx="1">
+            <a:schemeClr val="accent1"/>
+          </a:fillRef>
+          <a:effectRef idx="0">
+            <a:schemeClr val="accent1"/>
+          </a:effectRef>
+          <a:fontRef idx="minor">
+            <a:schemeClr val="lt1"/>
+          </a:fontRef>
+        </p:style>
+        <p:txBody>
+          <a:bodyPr rtlCol="0" anchor="ctr"/>
+          <a:lstStyle/>
+          <a:p>
+            <a:pPr algn="ctr"/>
+            <a:endParaRPr lang="ko-KR" altLang="en-US" sz="1100" dirty="0">
+              <a:solidFill>
+                <a:schemeClr val="tx1"/>
+              </a:solidFill>
+              <a:latin typeface="Tahoma" panose="020B0604030504040204" pitchFamily="34" charset="0"/>
+              <a:cs typeface="Tahoma" panose="020B0604030504040204" pitchFamily="34" charset="0"/>
+            </a:endParaRPr>
+          </a:p>
+        </p:txBody>
+      </p:sp>
+      <p:sp>
+        <p:nvSpPr>
+          <p:cNvPr id="7" name="직사각형 6">
+            <a:extLst>
+              <a:ext uri="{FF2B5EF4-FFF2-40B4-BE49-F238E27FC236}">
+                <a16:creationId xmlns:a16="http://schemas.microsoft.com/office/drawing/2014/main" id="{566D37F0-00F2-20EE-49FB-06B881F6E943}"/>
+              </a:ext>
+            </a:extLst>
+          </p:cNvPr>
+          <p:cNvSpPr/>
+          <p:nvPr/>
+        </p:nvSpPr>
+        <p:spPr>
+          <a:xfrm>
+            <a:off x="2303493" y="3538301"/>
+            <a:ext cx="3384672" cy="377220"/>
+          </a:xfrm>
+          <a:prstGeom prst="rect">
+            <a:avLst/>
+          </a:prstGeom>
+          <a:solidFill>
+            <a:schemeClr val="bg1"/>
+          </a:solidFill>
+          <a:ln>
+            <a:solidFill>
+              <a:schemeClr val="tx1"/>
+            </a:solidFill>
+          </a:ln>
+        </p:spPr>
+        <p:style>
+          <a:lnRef idx="2">
+            <a:schemeClr val="accent1">
+              <a:shade val="50000"/>
+            </a:schemeClr>
+          </a:lnRef>
+          <a:fillRef idx="1">
+            <a:schemeClr val="accent1"/>
+          </a:fillRef>
+          <a:effectRef idx="0">
+            <a:schemeClr val="accent1"/>
+          </a:effectRef>
+          <a:fontRef idx="minor">
+            <a:schemeClr val="lt1"/>
+          </a:fontRef>
+        </p:style>
+        <p:txBody>
+          <a:bodyPr rtlCol="0" anchor="ctr"/>
+          <a:lstStyle/>
+          <a:p>
+            <a:pPr algn="ctr"/>
+            <a:endParaRPr lang="ko-KR" altLang="en-US" sz="1100" dirty="0">
+              <a:solidFill>
+                <a:schemeClr val="tx1"/>
+              </a:solidFill>
+              <a:latin typeface="Tahoma" panose="020B0604030504040204" pitchFamily="34" charset="0"/>
+              <a:cs typeface="Tahoma" panose="020B0604030504040204" pitchFamily="34" charset="0"/>
+            </a:endParaRPr>
+          </a:p>
+        </p:txBody>
+      </p:sp>
+      <p:sp>
+        <p:nvSpPr>
+          <p:cNvPr id="8" name="직사각형 7">
+            <a:extLst>
+              <a:ext uri="{FF2B5EF4-FFF2-40B4-BE49-F238E27FC236}">
+                <a16:creationId xmlns:a16="http://schemas.microsoft.com/office/drawing/2014/main" id="{56CA894E-367D-F7C0-CF6F-8C08A897DD61}"/>
+              </a:ext>
+            </a:extLst>
+          </p:cNvPr>
+          <p:cNvSpPr/>
+          <p:nvPr/>
+        </p:nvSpPr>
+        <p:spPr>
+          <a:xfrm>
+            <a:off x="2303493" y="4046710"/>
+            <a:ext cx="3384672" cy="377220"/>
+          </a:xfrm>
+          <a:prstGeom prst="rect">
+            <a:avLst/>
+          </a:prstGeom>
+          <a:solidFill>
+            <a:schemeClr val="bg1"/>
+          </a:solidFill>
+          <a:ln>
+            <a:solidFill>
+              <a:schemeClr val="tx1"/>
+            </a:solidFill>
+          </a:ln>
+        </p:spPr>
+        <p:style>
+          <a:lnRef idx="2">
+            <a:schemeClr val="accent1">
+              <a:shade val="50000"/>
+            </a:schemeClr>
+          </a:lnRef>
+          <a:fillRef idx="1">
+            <a:schemeClr val="accent1"/>
+          </a:fillRef>
+          <a:effectRef idx="0">
+            <a:schemeClr val="accent1"/>
+          </a:effectRef>
+          <a:fontRef idx="minor">
+            <a:schemeClr val="lt1"/>
+          </a:fontRef>
+        </p:style>
+        <p:txBody>
+          <a:bodyPr rtlCol="0" anchor="ctr"/>
+          <a:lstStyle/>
+          <a:p>
+            <a:pPr algn="ctr"/>
+            <a:endParaRPr lang="ko-KR" altLang="en-US" sz="1100" dirty="0">
+              <a:solidFill>
+                <a:schemeClr val="tx1"/>
+              </a:solidFill>
+              <a:latin typeface="Tahoma" panose="020B0604030504040204" pitchFamily="34" charset="0"/>
+              <a:cs typeface="Tahoma" panose="020B0604030504040204" pitchFamily="34" charset="0"/>
+            </a:endParaRPr>
+          </a:p>
+        </p:txBody>
+      </p:sp>
+      <p:sp>
+        <p:nvSpPr>
+          <p:cNvPr id="9" name="직사각형 8">
+            <a:extLst>
+              <a:ext uri="{FF2B5EF4-FFF2-40B4-BE49-F238E27FC236}">
+                <a16:creationId xmlns:a16="http://schemas.microsoft.com/office/drawing/2014/main" id="{873B21FC-859E-471D-CEC3-B0AA5674B9E6}"/>
+              </a:ext>
+            </a:extLst>
+          </p:cNvPr>
+          <p:cNvSpPr/>
+          <p:nvPr/>
+        </p:nvSpPr>
+        <p:spPr>
+          <a:xfrm>
+            <a:off x="2303493" y="4555119"/>
+            <a:ext cx="3384672" cy="377220"/>
+          </a:xfrm>
+          <a:prstGeom prst="rect">
+            <a:avLst/>
+          </a:prstGeom>
+          <a:solidFill>
+            <a:schemeClr val="bg1"/>
+          </a:solidFill>
+          <a:ln>
+            <a:solidFill>
+              <a:schemeClr val="tx1"/>
+            </a:solidFill>
+          </a:ln>
+        </p:spPr>
+        <p:style>
+          <a:lnRef idx="2">
+            <a:schemeClr val="accent1">
+              <a:shade val="50000"/>
+            </a:schemeClr>
+          </a:lnRef>
+          <a:fillRef idx="1">
+            <a:schemeClr val="accent1"/>
+          </a:fillRef>
+          <a:effectRef idx="0">
+            <a:schemeClr val="accent1"/>
+          </a:effectRef>
+          <a:fontRef idx="minor">
+            <a:schemeClr val="lt1"/>
+          </a:fontRef>
+        </p:style>
+        <p:txBody>
+          <a:bodyPr rtlCol="0" anchor="ctr"/>
+          <a:lstStyle/>
+          <a:p>
+            <a:pPr algn="ctr"/>
+            <a:endParaRPr lang="ko-KR" altLang="en-US" sz="1100" dirty="0">
+              <a:solidFill>
+                <a:schemeClr val="tx1"/>
+              </a:solidFill>
+              <a:latin typeface="Tahoma" panose="020B0604030504040204" pitchFamily="34" charset="0"/>
+              <a:cs typeface="Tahoma" panose="020B0604030504040204" pitchFamily="34" charset="0"/>
+            </a:endParaRPr>
+          </a:p>
+        </p:txBody>
+      </p:sp>
+      <p:sp>
+        <p:nvSpPr>
+          <p:cNvPr id="10" name="직사각형 9">
+            <a:extLst>
+              <a:ext uri="{FF2B5EF4-FFF2-40B4-BE49-F238E27FC236}">
+                <a16:creationId xmlns:a16="http://schemas.microsoft.com/office/drawing/2014/main" id="{5DA89A40-4BD4-8285-FB9D-73A43C2EAA2D}"/>
+              </a:ext>
+            </a:extLst>
+          </p:cNvPr>
+          <p:cNvSpPr/>
+          <p:nvPr/>
+        </p:nvSpPr>
+        <p:spPr>
+          <a:xfrm>
+            <a:off x="2303493" y="5063528"/>
+            <a:ext cx="3384672" cy="377220"/>
+          </a:xfrm>
+          <a:prstGeom prst="rect">
+            <a:avLst/>
+          </a:prstGeom>
+          <a:solidFill>
+            <a:schemeClr val="bg1"/>
+          </a:solidFill>
+          <a:ln>
+            <a:solidFill>
+              <a:schemeClr val="tx1"/>
+            </a:solidFill>
+          </a:ln>
+        </p:spPr>
+        <p:style>
+          <a:lnRef idx="2">
+            <a:schemeClr val="accent1">
+              <a:shade val="50000"/>
+            </a:schemeClr>
+          </a:lnRef>
+          <a:fillRef idx="1">
+            <a:schemeClr val="accent1"/>
+          </a:fillRef>
+          <a:effectRef idx="0">
+            <a:schemeClr val="accent1"/>
+          </a:effectRef>
+          <a:fontRef idx="minor">
+            <a:schemeClr val="lt1"/>
+          </a:fontRef>
+        </p:style>
+        <p:txBody>
+          <a:bodyPr rtlCol="0" anchor="ctr"/>
+          <a:lstStyle/>
+          <a:p>
+            <a:pPr algn="ctr"/>
+            <a:endParaRPr lang="ko-KR" altLang="en-US" sz="1100" dirty="0">
+              <a:solidFill>
+                <a:schemeClr val="tx1"/>
+              </a:solidFill>
+              <a:latin typeface="Tahoma" panose="020B0604030504040204" pitchFamily="34" charset="0"/>
+              <a:cs typeface="Tahoma" panose="020B0604030504040204" pitchFamily="34" charset="0"/>
+            </a:endParaRPr>
+          </a:p>
+        </p:txBody>
+      </p:sp>
+      <p:sp>
+        <p:nvSpPr>
+          <p:cNvPr id="11" name="화살표: 오른쪽 10">
+            <a:extLst>
+              <a:ext uri="{FF2B5EF4-FFF2-40B4-BE49-F238E27FC236}">
+                <a16:creationId xmlns:a16="http://schemas.microsoft.com/office/drawing/2014/main" id="{48E485FA-F539-F270-603D-D1AC1C9B246D}"/>
+              </a:ext>
+            </a:extLst>
+          </p:cNvPr>
+          <p:cNvSpPr/>
+          <p:nvPr/>
+        </p:nvSpPr>
+        <p:spPr>
+          <a:xfrm>
+            <a:off x="2684019" y="5647266"/>
+            <a:ext cx="337916" cy="245533"/>
+          </a:xfrm>
+          <a:prstGeom prst="rightArrow">
+            <a:avLst/>
+          </a:prstGeom>
+          <a:solidFill>
+            <a:schemeClr val="tx1"/>
+          </a:solidFill>
+          <a:ln>
+            <a:solidFill>
+              <a:schemeClr val="tx1"/>
+            </a:solidFill>
+          </a:ln>
+        </p:spPr>
+        <p:style>
+          <a:lnRef idx="2">
+            <a:schemeClr val="accent1">
+              <a:shade val="50000"/>
+            </a:schemeClr>
+          </a:lnRef>
+          <a:fillRef idx="1">
+            <a:schemeClr val="accent1"/>
+          </a:fillRef>
+          <a:effectRef idx="0">
+            <a:schemeClr val="accent1"/>
+          </a:effectRef>
+          <a:fontRef idx="minor">
+            <a:schemeClr val="lt1"/>
+          </a:fontRef>
+        </p:style>
+        <p:txBody>
+          <a:bodyPr rtlCol="0" anchor="ctr"/>
+          <a:lstStyle/>
+          <a:p>
+            <a:pPr algn="ctr"/>
+            <a:endParaRPr lang="ko-KR" altLang="en-US"/>
+          </a:p>
+        </p:txBody>
+      </p:sp>
+      <p:sp>
+        <p:nvSpPr>
+          <p:cNvPr id="13" name="화살표: 오른쪽 12">
+            <a:extLst>
+              <a:ext uri="{FF2B5EF4-FFF2-40B4-BE49-F238E27FC236}">
+                <a16:creationId xmlns:a16="http://schemas.microsoft.com/office/drawing/2014/main" id="{9E4EA06B-FB71-C7EA-E729-EB17132EF415}"/>
+              </a:ext>
+            </a:extLst>
+          </p:cNvPr>
+          <p:cNvSpPr/>
+          <p:nvPr/>
+        </p:nvSpPr>
+        <p:spPr>
+          <a:xfrm rot="10800000">
+            <a:off x="2134535" y="5647266"/>
+            <a:ext cx="337916" cy="245533"/>
+          </a:xfrm>
+          <a:prstGeom prst="rightArrow">
+            <a:avLst/>
+          </a:prstGeom>
+          <a:solidFill>
+            <a:schemeClr val="tx1"/>
+          </a:solidFill>
+          <a:ln>
+            <a:solidFill>
+              <a:schemeClr val="tx1"/>
+            </a:solidFill>
+          </a:ln>
+        </p:spPr>
+        <p:style>
+          <a:lnRef idx="2">
+            <a:schemeClr val="accent1">
+              <a:shade val="50000"/>
+            </a:schemeClr>
+          </a:lnRef>
+          <a:fillRef idx="1">
+            <a:schemeClr val="accent1"/>
+          </a:fillRef>
+          <a:effectRef idx="0">
+            <a:schemeClr val="accent1"/>
+          </a:effectRef>
+          <a:fontRef idx="minor">
+            <a:schemeClr val="lt1"/>
+          </a:fontRef>
+        </p:style>
+        <p:txBody>
+          <a:bodyPr rtlCol="0" anchor="ctr"/>
+          <a:lstStyle/>
+          <a:p>
+            <a:pPr algn="ctr"/>
+            <a:endParaRPr lang="ko-KR" altLang="en-US"/>
+          </a:p>
+        </p:txBody>
+      </p:sp>
+      <p:sp>
+        <p:nvSpPr>
+          <p:cNvPr id="14" name="직사각형 13">
+            <a:extLst>
+              <a:ext uri="{FF2B5EF4-FFF2-40B4-BE49-F238E27FC236}">
+                <a16:creationId xmlns:a16="http://schemas.microsoft.com/office/drawing/2014/main" id="{16F495DE-D5AC-20AF-82EF-27843D61AD63}"/>
+              </a:ext>
+            </a:extLst>
+          </p:cNvPr>
+          <p:cNvSpPr/>
+          <p:nvPr/>
+        </p:nvSpPr>
+        <p:spPr>
+          <a:xfrm>
+            <a:off x="5017629" y="1577341"/>
+            <a:ext cx="611425" cy="205988"/>
+          </a:xfrm>
+          <a:prstGeom prst="rect">
+            <a:avLst/>
+          </a:prstGeom>
+          <a:solidFill>
+            <a:schemeClr val="bg1"/>
+          </a:solidFill>
+          <a:ln>
+            <a:solidFill>
+              <a:schemeClr val="tx1"/>
+            </a:solidFill>
+          </a:ln>
+        </p:spPr>
+        <p:style>
+          <a:lnRef idx="2">
+            <a:schemeClr val="accent1">
+              <a:shade val="50000"/>
+            </a:schemeClr>
+          </a:lnRef>
+          <a:fillRef idx="1">
+            <a:schemeClr val="accent1"/>
+          </a:fillRef>
+          <a:effectRef idx="0">
+            <a:schemeClr val="accent1"/>
+          </a:effectRef>
+          <a:fontRef idx="minor">
+            <a:schemeClr val="lt1"/>
+          </a:fontRef>
+        </p:style>
+        <p:txBody>
+          <a:bodyPr rtlCol="0" anchor="ctr"/>
+          <a:lstStyle/>
+          <a:p>
+            <a:pPr algn="ctr"/>
+            <a:r>
+              <a:rPr lang="en-US" altLang="ko-KR" sz="1100" dirty="0">
+                <a:solidFill>
+                  <a:schemeClr val="tx1"/>
+                </a:solidFill>
+              </a:rPr>
+              <a:t>Detail</a:t>
+            </a:r>
+            <a:endParaRPr lang="ko-KR" altLang="en-US" sz="1100" dirty="0">
+              <a:solidFill>
+                <a:schemeClr val="tx1"/>
+              </a:solidFill>
+            </a:endParaRPr>
+          </a:p>
+        </p:txBody>
+      </p:sp>
+      <p:sp>
+        <p:nvSpPr>
+          <p:cNvPr id="15" name="직사각형 14">
+            <a:extLst>
+              <a:ext uri="{FF2B5EF4-FFF2-40B4-BE49-F238E27FC236}">
+                <a16:creationId xmlns:a16="http://schemas.microsoft.com/office/drawing/2014/main" id="{2D11014B-538C-C04E-46DD-FB232DDEA9E0}"/>
+              </a:ext>
+            </a:extLst>
+          </p:cNvPr>
+          <p:cNvSpPr/>
+          <p:nvPr/>
+        </p:nvSpPr>
+        <p:spPr>
+          <a:xfrm>
+            <a:off x="2321861" y="2000134"/>
+            <a:ext cx="3384672" cy="377220"/>
+          </a:xfrm>
+          <a:prstGeom prst="rect">
+            <a:avLst/>
+          </a:prstGeom>
+          <a:solidFill>
+            <a:schemeClr val="bg1"/>
+          </a:solidFill>
+          <a:ln>
+            <a:solidFill>
+              <a:schemeClr val="tx1"/>
+            </a:solidFill>
+          </a:ln>
+        </p:spPr>
+        <p:style>
+          <a:lnRef idx="2">
+            <a:schemeClr val="accent1">
+              <a:shade val="50000"/>
+            </a:schemeClr>
+          </a:lnRef>
+          <a:fillRef idx="1">
+            <a:schemeClr val="accent1"/>
+          </a:fillRef>
+          <a:effectRef idx="0">
+            <a:schemeClr val="accent1"/>
+          </a:effectRef>
+          <a:fontRef idx="minor">
+            <a:schemeClr val="lt1"/>
+          </a:fontRef>
+        </p:style>
+        <p:txBody>
+          <a:bodyPr rtlCol="0" anchor="ctr"/>
+          <a:lstStyle/>
+          <a:p>
+            <a:r>
+              <a:rPr lang="ko-KR" altLang="en-US" sz="1100" dirty="0">
+                <a:solidFill>
+                  <a:schemeClr val="tx1"/>
+                </a:solidFill>
+                <a:latin typeface="Tahoma" panose="020B0604030504040204" pitchFamily="34" charset="0"/>
+                <a:cs typeface="Tahoma" panose="020B0604030504040204" pitchFamily="34" charset="0"/>
+              </a:rPr>
+              <a:t>그래픽 디자이너 모집</a:t>
+            </a:r>
+            <a:endParaRPr lang="en-US" altLang="ko-KR" sz="1100" dirty="0">
+              <a:solidFill>
+                <a:schemeClr val="tx1"/>
+              </a:solidFill>
+              <a:latin typeface="Tahoma" panose="020B0604030504040204" pitchFamily="34" charset="0"/>
+              <a:cs typeface="Tahoma" panose="020B0604030504040204" pitchFamily="34" charset="0"/>
+            </a:endParaRPr>
+          </a:p>
+          <a:p>
+            <a:r>
+              <a:rPr lang="ko-KR" altLang="en-US" sz="800" dirty="0">
+                <a:solidFill>
+                  <a:schemeClr val="tx1"/>
+                </a:solidFill>
+                <a:latin typeface="Tahoma" panose="020B0604030504040204" pitchFamily="34" charset="0"/>
+                <a:cs typeface="Tahoma" panose="020B0604030504040204" pitchFamily="34" charset="0"/>
+              </a:rPr>
+              <a:t> 경력 무관</a:t>
+            </a:r>
+            <a:r>
+              <a:rPr lang="en-US" altLang="ko-KR" sz="800" dirty="0">
+                <a:solidFill>
+                  <a:schemeClr val="tx1"/>
+                </a:solidFill>
+                <a:latin typeface="Tahoma" panose="020B0604030504040204" pitchFamily="34" charset="0"/>
+                <a:cs typeface="Tahoma" panose="020B0604030504040204" pitchFamily="34" charset="0"/>
+              </a:rPr>
+              <a:t>, </a:t>
+            </a:r>
+            <a:r>
+              <a:rPr lang="ko-KR" altLang="en-US" sz="800" dirty="0">
+                <a:solidFill>
+                  <a:schemeClr val="tx1"/>
+                </a:solidFill>
+                <a:latin typeface="Tahoma" panose="020B0604030504040204" pitchFamily="34" charset="0"/>
+                <a:cs typeface="Tahoma" panose="020B0604030504040204" pitchFamily="34" charset="0"/>
+              </a:rPr>
+              <a:t>학력무관</a:t>
+            </a:r>
+          </a:p>
+        </p:txBody>
+      </p:sp>
+      <p:sp>
+        <p:nvSpPr>
+          <p:cNvPr id="16" name="직사각형 15">
+            <a:extLst>
+              <a:ext uri="{FF2B5EF4-FFF2-40B4-BE49-F238E27FC236}">
+                <a16:creationId xmlns:a16="http://schemas.microsoft.com/office/drawing/2014/main" id="{5CB27A56-BB4C-00F8-8E0A-BB0010E23E56}"/>
+              </a:ext>
+            </a:extLst>
+          </p:cNvPr>
+          <p:cNvSpPr/>
+          <p:nvPr/>
+        </p:nvSpPr>
+        <p:spPr>
+          <a:xfrm>
+            <a:off x="5017629" y="2085750"/>
+            <a:ext cx="611425" cy="205988"/>
+          </a:xfrm>
+          <a:prstGeom prst="rect">
+            <a:avLst/>
+          </a:prstGeom>
+          <a:solidFill>
+            <a:schemeClr val="bg1"/>
+          </a:solidFill>
+          <a:ln>
+            <a:solidFill>
+              <a:schemeClr val="tx1"/>
+            </a:solidFill>
+          </a:ln>
+        </p:spPr>
+        <p:style>
+          <a:lnRef idx="2">
+            <a:schemeClr val="accent1">
+              <a:shade val="50000"/>
+            </a:schemeClr>
+          </a:lnRef>
+          <a:fillRef idx="1">
+            <a:schemeClr val="accent1"/>
+          </a:fillRef>
+          <a:effectRef idx="0">
+            <a:schemeClr val="accent1"/>
+          </a:effectRef>
+          <a:fontRef idx="minor">
+            <a:schemeClr val="lt1"/>
+          </a:fontRef>
+        </p:style>
+        <p:txBody>
+          <a:bodyPr rtlCol="0" anchor="ctr"/>
+          <a:lstStyle/>
+          <a:p>
+            <a:pPr algn="ctr"/>
+            <a:r>
+              <a:rPr lang="en-US" altLang="ko-KR" sz="1100" dirty="0">
+                <a:solidFill>
+                  <a:schemeClr val="tx1"/>
+                </a:solidFill>
+              </a:rPr>
+              <a:t>Detail</a:t>
+            </a:r>
+            <a:endParaRPr lang="ko-KR" altLang="en-US" sz="1100" dirty="0">
+              <a:solidFill>
+                <a:schemeClr val="tx1"/>
+              </a:solidFill>
+            </a:endParaRPr>
+          </a:p>
+        </p:txBody>
+      </p:sp>
+      <p:sp>
+        <p:nvSpPr>
+          <p:cNvPr id="17" name="직사각형 16">
+            <a:extLst>
+              <a:ext uri="{FF2B5EF4-FFF2-40B4-BE49-F238E27FC236}">
+                <a16:creationId xmlns:a16="http://schemas.microsoft.com/office/drawing/2014/main" id="{ACDD987E-F5FF-5EA3-9FEB-A2B67E90E9D7}"/>
+              </a:ext>
+            </a:extLst>
+          </p:cNvPr>
+          <p:cNvSpPr/>
+          <p:nvPr/>
+        </p:nvSpPr>
+        <p:spPr>
+          <a:xfrm>
+            <a:off x="6418447" y="3934056"/>
+            <a:ext cx="3384672" cy="377220"/>
+          </a:xfrm>
+          <a:prstGeom prst="rect">
+            <a:avLst/>
+          </a:prstGeom>
+          <a:solidFill>
+            <a:schemeClr val="bg1"/>
+          </a:solidFill>
+          <a:ln>
+            <a:solidFill>
+              <a:schemeClr val="tx1"/>
+            </a:solidFill>
+          </a:ln>
+        </p:spPr>
+        <p:style>
+          <a:lnRef idx="2">
+            <a:schemeClr val="accent1">
+              <a:shade val="50000"/>
+            </a:schemeClr>
+          </a:lnRef>
+          <a:fillRef idx="1">
+            <a:schemeClr val="accent1"/>
+          </a:fillRef>
+          <a:effectRef idx="0">
+            <a:schemeClr val="accent1"/>
+          </a:effectRef>
+          <a:fontRef idx="minor">
+            <a:schemeClr val="lt1"/>
+          </a:fontRef>
+        </p:style>
+        <p:txBody>
+          <a:bodyPr rtlCol="0" anchor="ctr"/>
+          <a:lstStyle/>
+          <a:p>
+            <a:r>
+              <a:rPr lang="ko-KR" altLang="en-US" sz="1100" dirty="0">
+                <a:solidFill>
+                  <a:schemeClr val="tx1"/>
+                </a:solidFill>
+                <a:latin typeface="Tahoma" panose="020B0604030504040204" pitchFamily="34" charset="0"/>
+                <a:cs typeface="Tahoma" panose="020B0604030504040204" pitchFamily="34" charset="0"/>
+              </a:rPr>
+              <a:t> 프론트 엔드 개발자</a:t>
+            </a:r>
+          </a:p>
+        </p:txBody>
+      </p:sp>
+      <p:sp>
+        <p:nvSpPr>
+          <p:cNvPr id="18" name="화살표: 오른쪽 17">
+            <a:extLst>
+              <a:ext uri="{FF2B5EF4-FFF2-40B4-BE49-F238E27FC236}">
+                <a16:creationId xmlns:a16="http://schemas.microsoft.com/office/drawing/2014/main" id="{E235392F-301F-5744-01DB-242828A25E73}"/>
+              </a:ext>
+            </a:extLst>
+          </p:cNvPr>
+          <p:cNvSpPr/>
+          <p:nvPr/>
+        </p:nvSpPr>
+        <p:spPr>
+          <a:xfrm>
+            <a:off x="6755449" y="5647266"/>
+            <a:ext cx="337916" cy="245533"/>
+          </a:xfrm>
+          <a:prstGeom prst="rightArrow">
+            <a:avLst/>
+          </a:prstGeom>
+          <a:solidFill>
+            <a:schemeClr val="tx1"/>
+          </a:solidFill>
+          <a:ln>
+            <a:solidFill>
+              <a:schemeClr val="tx1"/>
+            </a:solidFill>
+          </a:ln>
+        </p:spPr>
+        <p:style>
+          <a:lnRef idx="2">
+            <a:schemeClr val="accent1">
+              <a:shade val="50000"/>
+            </a:schemeClr>
+          </a:lnRef>
+          <a:fillRef idx="1">
+            <a:schemeClr val="accent1"/>
+          </a:fillRef>
+          <a:effectRef idx="0">
+            <a:schemeClr val="accent1"/>
+          </a:effectRef>
+          <a:fontRef idx="minor">
+            <a:schemeClr val="lt1"/>
+          </a:fontRef>
+        </p:style>
+        <p:txBody>
+          <a:bodyPr rtlCol="0" anchor="ctr"/>
+          <a:lstStyle/>
+          <a:p>
+            <a:pPr algn="ctr"/>
+            <a:endParaRPr lang="ko-KR" altLang="en-US"/>
+          </a:p>
+        </p:txBody>
+      </p:sp>
+      <p:sp>
+        <p:nvSpPr>
+          <p:cNvPr id="19" name="화살표: 오른쪽 18">
+            <a:extLst>
+              <a:ext uri="{FF2B5EF4-FFF2-40B4-BE49-F238E27FC236}">
+                <a16:creationId xmlns:a16="http://schemas.microsoft.com/office/drawing/2014/main" id="{64ABDF6B-28B8-07E6-8F57-7C063FB7279B}"/>
+              </a:ext>
+            </a:extLst>
+          </p:cNvPr>
+          <p:cNvSpPr/>
+          <p:nvPr/>
+        </p:nvSpPr>
+        <p:spPr>
+          <a:xfrm rot="10800000">
+            <a:off x="6205965" y="5647266"/>
+            <a:ext cx="337916" cy="245533"/>
+          </a:xfrm>
+          <a:prstGeom prst="rightArrow">
+            <a:avLst/>
+          </a:prstGeom>
+          <a:solidFill>
+            <a:schemeClr val="tx1"/>
+          </a:solidFill>
+          <a:ln>
+            <a:solidFill>
+              <a:schemeClr val="tx1"/>
+            </a:solidFill>
+          </a:ln>
+        </p:spPr>
+        <p:style>
+          <a:lnRef idx="2">
+            <a:schemeClr val="accent1">
+              <a:shade val="50000"/>
+            </a:schemeClr>
+          </a:lnRef>
+          <a:fillRef idx="1">
+            <a:schemeClr val="accent1"/>
+          </a:fillRef>
+          <a:effectRef idx="0">
+            <a:schemeClr val="accent1"/>
+          </a:effectRef>
+          <a:fontRef idx="minor">
+            <a:schemeClr val="lt1"/>
+          </a:fontRef>
+        </p:style>
+        <p:txBody>
+          <a:bodyPr rtlCol="0" anchor="ctr"/>
+          <a:lstStyle/>
+          <a:p>
+            <a:pPr algn="ctr"/>
+            <a:endParaRPr lang="ko-KR" altLang="en-US"/>
+          </a:p>
+        </p:txBody>
+      </p:sp>
+      <p:sp>
+        <p:nvSpPr>
+          <p:cNvPr id="29" name="직사각형 28">
+            <a:extLst>
+              <a:ext uri="{FF2B5EF4-FFF2-40B4-BE49-F238E27FC236}">
+                <a16:creationId xmlns:a16="http://schemas.microsoft.com/office/drawing/2014/main" id="{C449E954-9104-85A3-FF2C-B0C1CFE50B23}"/>
+              </a:ext>
+            </a:extLst>
+          </p:cNvPr>
+          <p:cNvSpPr/>
+          <p:nvPr/>
+        </p:nvSpPr>
+        <p:spPr>
+          <a:xfrm>
+            <a:off x="9113803" y="4019672"/>
+            <a:ext cx="611425" cy="205988"/>
+          </a:xfrm>
+          <a:prstGeom prst="rect">
+            <a:avLst/>
+          </a:prstGeom>
+          <a:solidFill>
+            <a:schemeClr val="bg1"/>
+          </a:solidFill>
+          <a:ln>
+            <a:solidFill>
+              <a:schemeClr val="tx1"/>
+            </a:solidFill>
+          </a:ln>
+        </p:spPr>
+        <p:style>
+          <a:lnRef idx="2">
+            <a:schemeClr val="accent1">
+              <a:shade val="50000"/>
+            </a:schemeClr>
+          </a:lnRef>
+          <a:fillRef idx="1">
+            <a:schemeClr val="accent1"/>
+          </a:fillRef>
+          <a:effectRef idx="0">
+            <a:schemeClr val="accent1"/>
+          </a:effectRef>
+          <a:fontRef idx="minor">
+            <a:schemeClr val="lt1"/>
+          </a:fontRef>
+        </p:style>
+        <p:txBody>
+          <a:bodyPr rtlCol="0" anchor="ctr"/>
+          <a:lstStyle/>
+          <a:p>
+            <a:pPr algn="ctr"/>
+            <a:r>
+              <a:rPr lang="en-US" altLang="ko-KR" sz="1100" dirty="0">
+                <a:solidFill>
+                  <a:schemeClr val="tx1"/>
+                </a:solidFill>
+              </a:rPr>
+              <a:t>Detail</a:t>
+            </a:r>
+            <a:endParaRPr lang="ko-KR" altLang="en-US" sz="1100" dirty="0">
+              <a:solidFill>
+                <a:schemeClr val="tx1"/>
+              </a:solidFill>
+            </a:endParaRPr>
+          </a:p>
+        </p:txBody>
+      </p:sp>
+      <p:sp>
+        <p:nvSpPr>
+          <p:cNvPr id="37" name="직사각형 36">
+            <a:extLst>
+              <a:ext uri="{FF2B5EF4-FFF2-40B4-BE49-F238E27FC236}">
+                <a16:creationId xmlns:a16="http://schemas.microsoft.com/office/drawing/2014/main" id="{7274517C-ED64-AA18-3471-A56B78E01500}"/>
+              </a:ext>
+            </a:extLst>
+          </p:cNvPr>
+          <p:cNvSpPr/>
+          <p:nvPr/>
+        </p:nvSpPr>
+        <p:spPr>
+          <a:xfrm>
+            <a:off x="6418447" y="4439112"/>
+            <a:ext cx="3384672" cy="377220"/>
+          </a:xfrm>
+          <a:prstGeom prst="rect">
+            <a:avLst/>
+          </a:prstGeom>
+          <a:solidFill>
+            <a:schemeClr val="bg1"/>
+          </a:solidFill>
+          <a:ln>
+            <a:solidFill>
+              <a:schemeClr val="tx1"/>
+            </a:solidFill>
+          </a:ln>
+        </p:spPr>
+        <p:style>
+          <a:lnRef idx="2">
+            <a:schemeClr val="accent1">
+              <a:shade val="50000"/>
+            </a:schemeClr>
+          </a:lnRef>
+          <a:fillRef idx="1">
+            <a:schemeClr val="accent1"/>
+          </a:fillRef>
+          <a:effectRef idx="0">
+            <a:schemeClr val="accent1"/>
+          </a:effectRef>
+          <a:fontRef idx="minor">
+            <a:schemeClr val="lt1"/>
+          </a:fontRef>
+        </p:style>
+        <p:txBody>
+          <a:bodyPr rtlCol="0" anchor="ctr"/>
+          <a:lstStyle/>
+          <a:p>
+            <a:r>
+              <a:rPr lang="ko-KR" altLang="en-US" sz="1100" dirty="0">
+                <a:solidFill>
+                  <a:schemeClr val="tx1"/>
+                </a:solidFill>
+                <a:latin typeface="Tahoma" panose="020B0604030504040204" pitchFamily="34" charset="0"/>
+                <a:cs typeface="Tahoma" panose="020B0604030504040204" pitchFamily="34" charset="0"/>
+              </a:rPr>
+              <a:t> 백 엔드 개발자</a:t>
+            </a:r>
+          </a:p>
+        </p:txBody>
+      </p:sp>
+      <p:sp>
+        <p:nvSpPr>
+          <p:cNvPr id="38" name="직사각형 37">
+            <a:extLst>
+              <a:ext uri="{FF2B5EF4-FFF2-40B4-BE49-F238E27FC236}">
+                <a16:creationId xmlns:a16="http://schemas.microsoft.com/office/drawing/2014/main" id="{2F5434A8-42CD-318B-46AC-353897382D51}"/>
+              </a:ext>
+            </a:extLst>
+          </p:cNvPr>
+          <p:cNvSpPr/>
+          <p:nvPr/>
+        </p:nvSpPr>
+        <p:spPr>
+          <a:xfrm>
+            <a:off x="9113803" y="4524728"/>
+            <a:ext cx="611425" cy="205988"/>
+          </a:xfrm>
+          <a:prstGeom prst="rect">
+            <a:avLst/>
+          </a:prstGeom>
+          <a:solidFill>
+            <a:schemeClr val="bg1"/>
+          </a:solidFill>
+          <a:ln>
+            <a:solidFill>
+              <a:schemeClr val="tx1"/>
+            </a:solidFill>
+          </a:ln>
+        </p:spPr>
+        <p:style>
+          <a:lnRef idx="2">
+            <a:schemeClr val="accent1">
+              <a:shade val="50000"/>
+            </a:schemeClr>
+          </a:lnRef>
+          <a:fillRef idx="1">
+            <a:schemeClr val="accent1"/>
+          </a:fillRef>
+          <a:effectRef idx="0">
+            <a:schemeClr val="accent1"/>
+          </a:effectRef>
+          <a:fontRef idx="minor">
+            <a:schemeClr val="lt1"/>
+          </a:fontRef>
+        </p:style>
+        <p:txBody>
+          <a:bodyPr rtlCol="0" anchor="ctr"/>
+          <a:lstStyle/>
+          <a:p>
+            <a:pPr algn="ctr"/>
+            <a:r>
+              <a:rPr lang="en-US" altLang="ko-KR" sz="1100" dirty="0">
+                <a:solidFill>
+                  <a:schemeClr val="tx1"/>
+                </a:solidFill>
+              </a:rPr>
+              <a:t>Detail</a:t>
+            </a:r>
+            <a:endParaRPr lang="ko-KR" altLang="en-US" sz="1100" dirty="0">
+              <a:solidFill>
+                <a:schemeClr val="tx1"/>
+              </a:solidFill>
+            </a:endParaRPr>
+          </a:p>
+        </p:txBody>
+      </p:sp>
+      <p:sp>
+        <p:nvSpPr>
+          <p:cNvPr id="48" name="직사각형 47">
+            <a:extLst>
+              <a:ext uri="{FF2B5EF4-FFF2-40B4-BE49-F238E27FC236}">
+                <a16:creationId xmlns:a16="http://schemas.microsoft.com/office/drawing/2014/main" id="{9048DA76-A76B-FC18-BB91-3E9F53FC83F0}"/>
+              </a:ext>
+            </a:extLst>
+          </p:cNvPr>
+          <p:cNvSpPr/>
+          <p:nvPr/>
+        </p:nvSpPr>
+        <p:spPr>
+          <a:xfrm>
+            <a:off x="6417600" y="4940806"/>
+            <a:ext cx="3384672" cy="377220"/>
+          </a:xfrm>
+          <a:prstGeom prst="rect">
+            <a:avLst/>
+          </a:prstGeom>
+          <a:solidFill>
+            <a:schemeClr val="bg1"/>
+          </a:solidFill>
+          <a:ln>
+            <a:solidFill>
+              <a:schemeClr val="tx1"/>
+            </a:solidFill>
+          </a:ln>
+        </p:spPr>
+        <p:style>
+          <a:lnRef idx="2">
+            <a:schemeClr val="accent1">
+              <a:shade val="50000"/>
+            </a:schemeClr>
+          </a:lnRef>
+          <a:fillRef idx="1">
+            <a:schemeClr val="accent1"/>
+          </a:fillRef>
+          <a:effectRef idx="0">
+            <a:schemeClr val="accent1"/>
+          </a:effectRef>
+          <a:fontRef idx="minor">
+            <a:schemeClr val="lt1"/>
+          </a:fontRef>
+        </p:style>
+        <p:txBody>
+          <a:bodyPr rtlCol="0" anchor="ctr"/>
+          <a:lstStyle/>
+          <a:p>
+            <a:r>
+              <a:rPr lang="ko-KR" altLang="en-US" sz="1100" dirty="0">
+                <a:solidFill>
+                  <a:schemeClr val="tx1"/>
+                </a:solidFill>
+                <a:latin typeface="Tahoma" panose="020B0604030504040204" pitchFamily="34" charset="0"/>
+                <a:cs typeface="Tahoma" panose="020B0604030504040204" pitchFamily="34" charset="0"/>
+              </a:rPr>
+              <a:t> 그래픽 디자이너</a:t>
+            </a:r>
+          </a:p>
+        </p:txBody>
+      </p:sp>
+      <p:sp>
+        <p:nvSpPr>
+          <p:cNvPr id="49" name="직사각형 48">
+            <a:extLst>
+              <a:ext uri="{FF2B5EF4-FFF2-40B4-BE49-F238E27FC236}">
+                <a16:creationId xmlns:a16="http://schemas.microsoft.com/office/drawing/2014/main" id="{AA2AADC9-82F1-82D8-A12E-3D6CF7116A6A}"/>
+              </a:ext>
+            </a:extLst>
+          </p:cNvPr>
+          <p:cNvSpPr/>
+          <p:nvPr/>
+        </p:nvSpPr>
+        <p:spPr>
+          <a:xfrm>
+            <a:off x="9112956" y="5026422"/>
+            <a:ext cx="611425" cy="205988"/>
+          </a:xfrm>
+          <a:prstGeom prst="rect">
+            <a:avLst/>
+          </a:prstGeom>
+          <a:solidFill>
+            <a:schemeClr val="bg1"/>
+          </a:solidFill>
+          <a:ln>
+            <a:solidFill>
+              <a:schemeClr val="tx1"/>
+            </a:solidFill>
+          </a:ln>
+        </p:spPr>
+        <p:style>
+          <a:lnRef idx="2">
+            <a:schemeClr val="accent1">
+              <a:shade val="50000"/>
+            </a:schemeClr>
+          </a:lnRef>
+          <a:fillRef idx="1">
+            <a:schemeClr val="accent1"/>
+          </a:fillRef>
+          <a:effectRef idx="0">
+            <a:schemeClr val="accent1"/>
+          </a:effectRef>
+          <a:fontRef idx="minor">
+            <a:schemeClr val="lt1"/>
+          </a:fontRef>
+        </p:style>
+        <p:txBody>
+          <a:bodyPr rtlCol="0" anchor="ctr"/>
+          <a:lstStyle/>
+          <a:p>
+            <a:pPr algn="ctr"/>
+            <a:r>
+              <a:rPr lang="en-US" altLang="ko-KR" sz="1100" dirty="0">
+                <a:solidFill>
+                  <a:schemeClr val="tx1"/>
+                </a:solidFill>
+              </a:rPr>
+              <a:t>Detail</a:t>
+            </a:r>
+            <a:endParaRPr lang="ko-KR" altLang="en-US" sz="1100" dirty="0">
+              <a:solidFill>
+                <a:schemeClr val="tx1"/>
+              </a:solidFill>
+            </a:endParaRPr>
+          </a:p>
+        </p:txBody>
+      </p:sp>
+      <p:sp>
+        <p:nvSpPr>
+          <p:cNvPr id="50" name="직사각형 49">
+            <a:extLst>
+              <a:ext uri="{FF2B5EF4-FFF2-40B4-BE49-F238E27FC236}">
+                <a16:creationId xmlns:a16="http://schemas.microsoft.com/office/drawing/2014/main" id="{A61ADA8F-BD86-F6C8-0817-FAC4E1506F0F}"/>
+              </a:ext>
+            </a:extLst>
+          </p:cNvPr>
+          <p:cNvSpPr/>
+          <p:nvPr/>
+        </p:nvSpPr>
+        <p:spPr>
+          <a:xfrm>
+            <a:off x="2321861" y="2508543"/>
+            <a:ext cx="3384672" cy="377220"/>
+          </a:xfrm>
+          <a:prstGeom prst="rect">
+            <a:avLst/>
+          </a:prstGeom>
+          <a:solidFill>
+            <a:schemeClr val="bg1"/>
+          </a:solidFill>
+          <a:ln>
+            <a:solidFill>
+              <a:schemeClr val="tx1"/>
+            </a:solidFill>
+          </a:ln>
+        </p:spPr>
+        <p:style>
+          <a:lnRef idx="2">
+            <a:schemeClr val="accent1">
+              <a:shade val="50000"/>
+            </a:schemeClr>
+          </a:lnRef>
+          <a:fillRef idx="1">
+            <a:schemeClr val="accent1"/>
+          </a:fillRef>
+          <a:effectRef idx="0">
+            <a:schemeClr val="accent1"/>
+          </a:effectRef>
+          <a:fontRef idx="minor">
+            <a:schemeClr val="lt1"/>
+          </a:fontRef>
+        </p:style>
+        <p:txBody>
+          <a:bodyPr rtlCol="0" anchor="ctr"/>
+          <a:lstStyle/>
+          <a:p>
+            <a:r>
+              <a:rPr lang="ko-KR" altLang="en-US" sz="1100" dirty="0">
+                <a:solidFill>
+                  <a:schemeClr val="tx1"/>
+                </a:solidFill>
+                <a:latin typeface="Tahoma" panose="020B0604030504040204" pitchFamily="34" charset="0"/>
+                <a:cs typeface="Tahoma" panose="020B0604030504040204" pitchFamily="34" charset="0"/>
+              </a:rPr>
+              <a:t>사무직 모집</a:t>
+            </a:r>
+            <a:endParaRPr lang="en-US" altLang="ko-KR" sz="1100" dirty="0">
+              <a:solidFill>
+                <a:schemeClr val="tx1"/>
+              </a:solidFill>
+              <a:latin typeface="Tahoma" panose="020B0604030504040204" pitchFamily="34" charset="0"/>
+              <a:cs typeface="Tahoma" panose="020B0604030504040204" pitchFamily="34" charset="0"/>
+            </a:endParaRPr>
+          </a:p>
+          <a:p>
+            <a:r>
+              <a:rPr lang="ko-KR" altLang="en-US" sz="800" dirty="0">
+                <a:solidFill>
+                  <a:schemeClr val="tx1"/>
+                </a:solidFill>
+                <a:latin typeface="Tahoma" panose="020B0604030504040204" pitchFamily="34" charset="0"/>
+                <a:cs typeface="Tahoma" panose="020B0604030504040204" pitchFamily="34" charset="0"/>
+              </a:rPr>
+              <a:t> 경력 무관</a:t>
+            </a:r>
+            <a:r>
+              <a:rPr lang="en-US" altLang="ko-KR" sz="800" dirty="0">
+                <a:solidFill>
+                  <a:schemeClr val="tx1"/>
+                </a:solidFill>
+                <a:latin typeface="Tahoma" panose="020B0604030504040204" pitchFamily="34" charset="0"/>
+                <a:cs typeface="Tahoma" panose="020B0604030504040204" pitchFamily="34" charset="0"/>
+              </a:rPr>
+              <a:t>, </a:t>
+            </a:r>
+            <a:r>
+              <a:rPr lang="ko-KR" altLang="en-US" sz="800" dirty="0">
+                <a:solidFill>
+                  <a:schemeClr val="tx1"/>
+                </a:solidFill>
+                <a:latin typeface="Tahoma" panose="020B0604030504040204" pitchFamily="34" charset="0"/>
+                <a:cs typeface="Tahoma" panose="020B0604030504040204" pitchFamily="34" charset="0"/>
+              </a:rPr>
+              <a:t>학력무관</a:t>
+            </a:r>
+          </a:p>
+        </p:txBody>
+      </p:sp>
+      <p:sp>
+        <p:nvSpPr>
+          <p:cNvPr id="51" name="직사각형 50">
+            <a:extLst>
+              <a:ext uri="{FF2B5EF4-FFF2-40B4-BE49-F238E27FC236}">
+                <a16:creationId xmlns:a16="http://schemas.microsoft.com/office/drawing/2014/main" id="{DD1A5DB5-796B-7965-80EF-E73A50EEE43A}"/>
+              </a:ext>
+            </a:extLst>
+          </p:cNvPr>
+          <p:cNvSpPr/>
+          <p:nvPr/>
+        </p:nvSpPr>
+        <p:spPr>
+          <a:xfrm>
+            <a:off x="5017629" y="2594159"/>
+            <a:ext cx="611425" cy="205988"/>
+          </a:xfrm>
+          <a:prstGeom prst="rect">
+            <a:avLst/>
+          </a:prstGeom>
+          <a:solidFill>
+            <a:schemeClr val="bg1"/>
+          </a:solidFill>
+          <a:ln>
+            <a:solidFill>
+              <a:schemeClr val="tx1"/>
+            </a:solidFill>
+          </a:ln>
+        </p:spPr>
+        <p:style>
+          <a:lnRef idx="2">
+            <a:schemeClr val="accent1">
+              <a:shade val="50000"/>
+            </a:schemeClr>
+          </a:lnRef>
+          <a:fillRef idx="1">
+            <a:schemeClr val="accent1"/>
+          </a:fillRef>
+          <a:effectRef idx="0">
+            <a:schemeClr val="accent1"/>
+          </a:effectRef>
+          <a:fontRef idx="minor">
+            <a:schemeClr val="lt1"/>
+          </a:fontRef>
+        </p:style>
+        <p:txBody>
+          <a:bodyPr rtlCol="0" anchor="ctr"/>
+          <a:lstStyle/>
+          <a:p>
+            <a:pPr algn="ctr"/>
+            <a:r>
+              <a:rPr lang="en-US" altLang="ko-KR" sz="1100" dirty="0">
+                <a:solidFill>
+                  <a:schemeClr val="tx1"/>
+                </a:solidFill>
+              </a:rPr>
+              <a:t>Detail</a:t>
+            </a:r>
+            <a:endParaRPr lang="ko-KR" altLang="en-US" sz="1100" dirty="0">
+              <a:solidFill>
+                <a:schemeClr val="tx1"/>
+              </a:solidFill>
+            </a:endParaRPr>
+          </a:p>
+        </p:txBody>
+      </p:sp>
+      <p:sp>
+        <p:nvSpPr>
+          <p:cNvPr id="52" name="화살표: 오른쪽 51">
+            <a:extLst>
+              <a:ext uri="{FF2B5EF4-FFF2-40B4-BE49-F238E27FC236}">
+                <a16:creationId xmlns:a16="http://schemas.microsoft.com/office/drawing/2014/main" id="{2ECAE2CE-2CD1-EBAB-D8C7-B6F664CCDDA7}"/>
+              </a:ext>
+            </a:extLst>
+          </p:cNvPr>
+          <p:cNvSpPr/>
+          <p:nvPr/>
+        </p:nvSpPr>
+        <p:spPr>
+          <a:xfrm>
+            <a:off x="6755449" y="3021261"/>
+            <a:ext cx="337916" cy="245533"/>
+          </a:xfrm>
+          <a:prstGeom prst="rightArrow">
+            <a:avLst/>
+          </a:prstGeom>
+          <a:solidFill>
+            <a:schemeClr val="tx1"/>
+          </a:solidFill>
+          <a:ln>
+            <a:solidFill>
+              <a:schemeClr val="tx1"/>
+            </a:solidFill>
+          </a:ln>
+        </p:spPr>
+        <p:style>
+          <a:lnRef idx="2">
+            <a:schemeClr val="accent1">
+              <a:shade val="50000"/>
+            </a:schemeClr>
+          </a:lnRef>
+          <a:fillRef idx="1">
+            <a:schemeClr val="accent1"/>
+          </a:fillRef>
+          <a:effectRef idx="0">
+            <a:schemeClr val="accent1"/>
+          </a:effectRef>
+          <a:fontRef idx="minor">
+            <a:schemeClr val="lt1"/>
+          </a:fontRef>
+        </p:style>
+        <p:txBody>
+          <a:bodyPr rtlCol="0" anchor="ctr"/>
+          <a:lstStyle/>
+          <a:p>
+            <a:pPr algn="ctr"/>
+            <a:endParaRPr lang="ko-KR" altLang="en-US"/>
+          </a:p>
+        </p:txBody>
+      </p:sp>
+      <p:sp>
+        <p:nvSpPr>
+          <p:cNvPr id="53" name="화살표: 오른쪽 52">
+            <a:extLst>
+              <a:ext uri="{FF2B5EF4-FFF2-40B4-BE49-F238E27FC236}">
+                <a16:creationId xmlns:a16="http://schemas.microsoft.com/office/drawing/2014/main" id="{196F5254-C906-4273-223A-E45ADF378539}"/>
+              </a:ext>
+            </a:extLst>
+          </p:cNvPr>
+          <p:cNvSpPr/>
+          <p:nvPr/>
+        </p:nvSpPr>
+        <p:spPr>
+          <a:xfrm rot="10800000">
+            <a:off x="6205965" y="3021261"/>
+            <a:ext cx="337916" cy="245533"/>
+          </a:xfrm>
+          <a:prstGeom prst="rightArrow">
+            <a:avLst/>
+          </a:prstGeom>
+          <a:solidFill>
+            <a:schemeClr val="tx1"/>
+          </a:solidFill>
+          <a:ln>
+            <a:solidFill>
+              <a:schemeClr val="tx1"/>
+            </a:solidFill>
+          </a:ln>
+        </p:spPr>
+        <p:style>
+          <a:lnRef idx="2">
+            <a:schemeClr val="accent1">
+              <a:shade val="50000"/>
+            </a:schemeClr>
+          </a:lnRef>
+          <a:fillRef idx="1">
+            <a:schemeClr val="accent1"/>
+          </a:fillRef>
+          <a:effectRef idx="0">
+            <a:schemeClr val="accent1"/>
+          </a:effectRef>
+          <a:fontRef idx="minor">
+            <a:schemeClr val="lt1"/>
+          </a:fontRef>
+        </p:style>
+        <p:txBody>
+          <a:bodyPr rtlCol="0" anchor="ctr"/>
+          <a:lstStyle/>
+          <a:p>
+            <a:pPr algn="ctr"/>
+            <a:endParaRPr lang="ko-KR" altLang="en-US"/>
+          </a:p>
+        </p:txBody>
+      </p:sp>
+      <p:sp>
+        <p:nvSpPr>
+          <p:cNvPr id="54" name="직사각형 53">
+            <a:extLst>
+              <a:ext uri="{FF2B5EF4-FFF2-40B4-BE49-F238E27FC236}">
+                <a16:creationId xmlns:a16="http://schemas.microsoft.com/office/drawing/2014/main" id="{975669F1-A263-9DF3-2407-CA1D5377AF3F}"/>
+              </a:ext>
+            </a:extLst>
+          </p:cNvPr>
+          <p:cNvSpPr/>
+          <p:nvPr/>
+        </p:nvSpPr>
+        <p:spPr>
+          <a:xfrm>
+            <a:off x="9115024" y="1424422"/>
+            <a:ext cx="611425" cy="205988"/>
+          </a:xfrm>
+          <a:prstGeom prst="rect">
+            <a:avLst/>
+          </a:prstGeom>
+          <a:solidFill>
+            <a:schemeClr val="bg1"/>
+          </a:solidFill>
+          <a:ln>
+            <a:solidFill>
+              <a:schemeClr val="tx1"/>
+            </a:solidFill>
+          </a:ln>
+        </p:spPr>
+        <p:style>
+          <a:lnRef idx="2">
+            <a:schemeClr val="accent1">
+              <a:shade val="50000"/>
+            </a:schemeClr>
+          </a:lnRef>
+          <a:fillRef idx="1">
+            <a:schemeClr val="accent1"/>
+          </a:fillRef>
+          <a:effectRef idx="0">
+            <a:schemeClr val="accent1"/>
+          </a:effectRef>
+          <a:fontRef idx="minor">
+            <a:schemeClr val="lt1"/>
+          </a:fontRef>
+        </p:style>
+        <p:txBody>
+          <a:bodyPr rtlCol="0" anchor="ctr"/>
+          <a:lstStyle/>
+          <a:p>
+            <a:pPr algn="ctr"/>
+            <a:r>
+              <a:rPr lang="en-US" altLang="ko-KR" sz="1100" dirty="0">
+                <a:solidFill>
+                  <a:schemeClr val="tx1"/>
+                </a:solidFill>
+              </a:rPr>
+              <a:t>Detail</a:t>
+            </a:r>
+            <a:endParaRPr lang="ko-KR" altLang="en-US" sz="1100" dirty="0">
+              <a:solidFill>
+                <a:schemeClr val="tx1"/>
+              </a:solidFill>
+            </a:endParaRPr>
+          </a:p>
+        </p:txBody>
+      </p:sp>
+      <p:sp>
+        <p:nvSpPr>
+          <p:cNvPr id="55" name="직사각형 54">
+            <a:extLst>
+              <a:ext uri="{FF2B5EF4-FFF2-40B4-BE49-F238E27FC236}">
+                <a16:creationId xmlns:a16="http://schemas.microsoft.com/office/drawing/2014/main" id="{1B64E8CE-DFBA-7DB3-318A-87CDCFFA52AA}"/>
+              </a:ext>
+            </a:extLst>
+          </p:cNvPr>
+          <p:cNvSpPr/>
+          <p:nvPr/>
+        </p:nvSpPr>
+        <p:spPr>
+          <a:xfrm>
+            <a:off x="6333059" y="2056675"/>
+            <a:ext cx="3537079" cy="599285"/>
+          </a:xfrm>
+          <a:prstGeom prst="rect">
+            <a:avLst/>
+          </a:prstGeom>
+          <a:solidFill>
+            <a:schemeClr val="bg1"/>
+          </a:solidFill>
+          <a:ln>
+            <a:solidFill>
+              <a:schemeClr val="tx1"/>
+            </a:solidFill>
+          </a:ln>
+        </p:spPr>
+        <p:style>
+          <a:lnRef idx="2">
+            <a:schemeClr val="accent1">
+              <a:shade val="50000"/>
+            </a:schemeClr>
+          </a:lnRef>
+          <a:fillRef idx="1">
+            <a:schemeClr val="accent1"/>
+          </a:fillRef>
+          <a:effectRef idx="0">
+            <a:schemeClr val="accent1"/>
+          </a:effectRef>
+          <a:fontRef idx="minor">
+            <a:schemeClr val="lt1"/>
+          </a:fontRef>
+        </p:style>
+        <p:txBody>
+          <a:bodyPr rtlCol="0" anchor="ctr"/>
+          <a:lstStyle/>
+          <a:p>
+            <a:r>
+              <a:rPr lang="en-US" altLang="ko-KR" sz="1100" dirty="0">
+                <a:solidFill>
+                  <a:schemeClr val="tx1"/>
+                </a:solidFill>
+              </a:rPr>
+              <a:t>OOOOO</a:t>
+            </a:r>
+            <a:r>
+              <a:rPr lang="ko-KR" altLang="en-US" sz="1100" dirty="0">
+                <a:solidFill>
+                  <a:schemeClr val="tx1"/>
+                </a:solidFill>
+              </a:rPr>
+              <a:t> 프로젝트 진행중입니다</a:t>
+            </a:r>
+            <a:r>
+              <a:rPr lang="en-US" altLang="ko-KR" sz="1100" dirty="0">
+                <a:solidFill>
+                  <a:schemeClr val="tx1"/>
+                </a:solidFill>
+              </a:rPr>
+              <a:t>.</a:t>
+            </a:r>
+            <a:endParaRPr lang="ko-KR" altLang="en-US" sz="1100" dirty="0">
+              <a:solidFill>
+                <a:schemeClr val="tx1"/>
+              </a:solidFill>
+            </a:endParaRPr>
+          </a:p>
+        </p:txBody>
+      </p:sp>
+      <p:sp>
+        <p:nvSpPr>
+          <p:cNvPr id="56" name="직사각형 55">
+            <a:extLst>
+              <a:ext uri="{FF2B5EF4-FFF2-40B4-BE49-F238E27FC236}">
+                <a16:creationId xmlns:a16="http://schemas.microsoft.com/office/drawing/2014/main" id="{212D5671-1DF9-73AA-F1F6-AC0CD9581045}"/>
+              </a:ext>
+            </a:extLst>
+          </p:cNvPr>
+          <p:cNvSpPr/>
+          <p:nvPr/>
+        </p:nvSpPr>
+        <p:spPr>
+          <a:xfrm>
+            <a:off x="9112956" y="2274360"/>
+            <a:ext cx="611425" cy="205988"/>
+          </a:xfrm>
+          <a:prstGeom prst="rect">
+            <a:avLst/>
+          </a:prstGeom>
+          <a:solidFill>
+            <a:schemeClr val="bg1"/>
+          </a:solidFill>
+          <a:ln>
+            <a:solidFill>
+              <a:schemeClr val="tx1"/>
+            </a:solidFill>
+          </a:ln>
+        </p:spPr>
+        <p:style>
+          <a:lnRef idx="2">
+            <a:schemeClr val="accent1">
+              <a:shade val="50000"/>
+            </a:schemeClr>
+          </a:lnRef>
+          <a:fillRef idx="1">
+            <a:schemeClr val="accent1"/>
+          </a:fillRef>
+          <a:effectRef idx="0">
+            <a:schemeClr val="accent1"/>
+          </a:effectRef>
+          <a:fontRef idx="minor">
+            <a:schemeClr val="lt1"/>
+          </a:fontRef>
+        </p:style>
+        <p:txBody>
+          <a:bodyPr rtlCol="0" anchor="ctr"/>
+          <a:lstStyle/>
+          <a:p>
+            <a:pPr algn="ctr"/>
+            <a:r>
+              <a:rPr lang="en-US" altLang="ko-KR" sz="1100" dirty="0">
+                <a:solidFill>
+                  <a:schemeClr val="tx1"/>
+                </a:solidFill>
+              </a:rPr>
+              <a:t>Detail</a:t>
+            </a:r>
+            <a:endParaRPr lang="ko-KR" altLang="en-US" sz="1100" dirty="0">
+              <a:solidFill>
+                <a:schemeClr val="tx1"/>
+              </a:solidFill>
+            </a:endParaRPr>
+          </a:p>
+        </p:txBody>
+      </p:sp>
+      <p:sp>
+        <p:nvSpPr>
+          <p:cNvPr id="57" name="TextBox 56">
+            <a:extLst>
+              <a:ext uri="{FF2B5EF4-FFF2-40B4-BE49-F238E27FC236}">
+                <a16:creationId xmlns:a16="http://schemas.microsoft.com/office/drawing/2014/main" id="{614FA79B-CE4E-0682-1627-4FC1D81E5ACF}"/>
+              </a:ext>
+            </a:extLst>
+          </p:cNvPr>
+          <p:cNvSpPr txBox="1"/>
+          <p:nvPr/>
+        </p:nvSpPr>
+        <p:spPr>
+          <a:xfrm>
+            <a:off x="3516180" y="5616143"/>
+            <a:ext cx="990977" cy="307777"/>
+          </a:xfrm>
+          <a:prstGeom prst="rect">
+            <a:avLst/>
+          </a:prstGeom>
+          <a:noFill/>
+        </p:spPr>
+        <p:txBody>
+          <a:bodyPr wrap="none" rtlCol="0">
+            <a:spAutoFit/>
+          </a:bodyPr>
+          <a:lstStyle/>
+          <a:p>
+            <a:r>
+              <a:rPr lang="en-US" altLang="ko-KR" sz="1400" dirty="0">
+                <a:latin typeface="Tahoma" panose="020B0604030504040204" pitchFamily="34" charset="0"/>
+                <a:ea typeface="Tahoma" panose="020B0604030504040204" pitchFamily="34" charset="0"/>
+                <a:cs typeface="Tahoma" panose="020B0604030504040204" pitchFamily="34" charset="0"/>
+              </a:rPr>
+              <a:t>1/10 page</a:t>
+            </a:r>
+            <a:endParaRPr lang="ko-KR" altLang="en-US" sz="1400" dirty="0">
+              <a:latin typeface="Tahoma" panose="020B0604030504040204" pitchFamily="34" charset="0"/>
+              <a:cs typeface="Tahoma" panose="020B0604030504040204" pitchFamily="34" charset="0"/>
+            </a:endParaRPr>
+          </a:p>
+        </p:txBody>
+      </p:sp>
+      <p:sp>
+        <p:nvSpPr>
+          <p:cNvPr id="58" name="TextBox 57">
+            <a:extLst>
+              <a:ext uri="{FF2B5EF4-FFF2-40B4-BE49-F238E27FC236}">
+                <a16:creationId xmlns:a16="http://schemas.microsoft.com/office/drawing/2014/main" id="{12955BA2-564F-9AB8-C964-74CB70091383}"/>
+              </a:ext>
+            </a:extLst>
+          </p:cNvPr>
+          <p:cNvSpPr txBox="1"/>
+          <p:nvPr/>
+        </p:nvSpPr>
+        <p:spPr>
+          <a:xfrm>
+            <a:off x="7639977" y="2993169"/>
+            <a:ext cx="893193" cy="307777"/>
+          </a:xfrm>
+          <a:prstGeom prst="rect">
+            <a:avLst/>
+          </a:prstGeom>
+          <a:noFill/>
+        </p:spPr>
+        <p:txBody>
+          <a:bodyPr wrap="none" rtlCol="0">
+            <a:spAutoFit/>
+          </a:bodyPr>
+          <a:lstStyle/>
+          <a:p>
+            <a:r>
+              <a:rPr lang="en-US" altLang="ko-KR" sz="1400" dirty="0">
+                <a:latin typeface="Tahoma" panose="020B0604030504040204" pitchFamily="34" charset="0"/>
+                <a:ea typeface="Tahoma" panose="020B0604030504040204" pitchFamily="34" charset="0"/>
+                <a:cs typeface="Tahoma" panose="020B0604030504040204" pitchFamily="34" charset="0"/>
+              </a:rPr>
+              <a:t>4/6 page</a:t>
+            </a:r>
+            <a:endParaRPr lang="ko-KR" altLang="en-US" sz="1400" dirty="0">
+              <a:latin typeface="Tahoma" panose="020B0604030504040204" pitchFamily="34" charset="0"/>
+              <a:cs typeface="Tahoma" panose="020B0604030504040204" pitchFamily="34" charset="0"/>
+            </a:endParaRPr>
+          </a:p>
+        </p:txBody>
+      </p:sp>
+      <p:sp>
+        <p:nvSpPr>
+          <p:cNvPr id="59" name="TextBox 58">
+            <a:extLst>
+              <a:ext uri="{FF2B5EF4-FFF2-40B4-BE49-F238E27FC236}">
+                <a16:creationId xmlns:a16="http://schemas.microsoft.com/office/drawing/2014/main" id="{A946BD92-110A-827E-9330-078347270574}"/>
+              </a:ext>
+            </a:extLst>
+          </p:cNvPr>
+          <p:cNvSpPr txBox="1"/>
+          <p:nvPr/>
+        </p:nvSpPr>
+        <p:spPr>
+          <a:xfrm>
+            <a:off x="7639976" y="5616142"/>
+            <a:ext cx="893193" cy="307777"/>
+          </a:xfrm>
+          <a:prstGeom prst="rect">
+            <a:avLst/>
+          </a:prstGeom>
+          <a:noFill/>
+        </p:spPr>
+        <p:txBody>
+          <a:bodyPr wrap="none" rtlCol="0">
+            <a:spAutoFit/>
+          </a:bodyPr>
+          <a:lstStyle/>
+          <a:p>
+            <a:r>
+              <a:rPr lang="en-US" altLang="ko-KR" sz="1400" dirty="0">
+                <a:latin typeface="Tahoma" panose="020B0604030504040204" pitchFamily="34" charset="0"/>
+                <a:ea typeface="Tahoma" panose="020B0604030504040204" pitchFamily="34" charset="0"/>
+                <a:cs typeface="Tahoma" panose="020B0604030504040204" pitchFamily="34" charset="0"/>
+              </a:rPr>
+              <a:t>8/8 page</a:t>
+            </a:r>
+            <a:endParaRPr lang="ko-KR" altLang="en-US" sz="1400" dirty="0">
+              <a:latin typeface="Tahoma" panose="020B0604030504040204" pitchFamily="34" charset="0"/>
+              <a:cs typeface="Tahoma" panose="020B0604030504040204" pitchFamily="34" charset="0"/>
+            </a:endParaRPr>
+          </a:p>
+        </p:txBody>
+      </p:sp>
+    </p:spTree>
+    <p:extLst>
+      <p:ext uri="{BB962C8B-B14F-4D97-AF65-F5344CB8AC3E}">
+        <p14:creationId xmlns:p14="http://schemas.microsoft.com/office/powerpoint/2010/main" val="489617754"/>
+      </p:ext>
+    </p:extLst>
+  </p:cSld>
+  <p:clrMapOvr>
+    <a:masterClrMapping/>
+  </p:clrMapOvr>
+</p:sld>
+</file>
+
+<file path=ppt/slides/slide5.xml><?xml version="1.0" encoding="utf-8"?>
+<p:sld xmlns:a="http://schemas.openxmlformats.org/drawingml/2006/main" xmlns:r="http://schemas.openxmlformats.org/officeDocument/2006/relationships" xmlns:p="http://schemas.openxmlformats.org/presentationml/2006/main">
+  <p:cSld>
+    <p:spTree>
+      <p:nvGrpSpPr>
+        <p:cNvPr id="1" name=""/>
+        <p:cNvGrpSpPr/>
+        <p:nvPr/>
+      </p:nvGrpSpPr>
+      <p:grpSpPr>
+        <a:xfrm>
+          <a:off x="0" y="0"/>
+          <a:ext cx="0" cy="0"/>
+          <a:chOff x="0" y="0"/>
+          <a:chExt cx="0" cy="0"/>
+        </a:xfrm>
+      </p:grpSpPr>
+      <p:sp>
+        <p:nvSpPr>
+          <p:cNvPr id="4" name="직사각형 3">
+            <a:extLst>
+              <a:ext uri="{FF2B5EF4-FFF2-40B4-BE49-F238E27FC236}">
+                <a16:creationId xmlns:a16="http://schemas.microsoft.com/office/drawing/2014/main" id="{E1217168-1D98-9FC0-3EA2-15384EDE2DBE}"/>
+              </a:ext>
+            </a:extLst>
+          </p:cNvPr>
+          <p:cNvSpPr/>
+          <p:nvPr/>
+        </p:nvSpPr>
+        <p:spPr>
+          <a:xfrm>
+            <a:off x="1998166" y="802994"/>
+            <a:ext cx="4071430" cy="5252011"/>
+          </a:xfrm>
+          <a:prstGeom prst="rect">
+            <a:avLst/>
+          </a:prstGeom>
+          <a:noFill/>
+          <a:ln>
+            <a:solidFill>
+              <a:schemeClr val="tx1"/>
+            </a:solidFill>
+          </a:ln>
+        </p:spPr>
+        <p:style>
+          <a:lnRef idx="2">
+            <a:schemeClr val="accent1">
+              <a:shade val="50000"/>
+            </a:schemeClr>
+          </a:lnRef>
+          <a:fillRef idx="1">
+            <a:schemeClr val="accent1"/>
+          </a:fillRef>
+          <a:effectRef idx="0">
+            <a:schemeClr val="accent1"/>
+          </a:effectRef>
+          <a:fontRef idx="minor">
+            <a:schemeClr val="lt1"/>
+          </a:fontRef>
+        </p:style>
+        <p:txBody>
+          <a:bodyPr rtlCol="0" anchor="ctr"/>
+          <a:lstStyle/>
+          <a:p>
+            <a:pPr algn="ctr"/>
+            <a:endParaRPr lang="ko-KR" altLang="en-US"/>
+          </a:p>
+        </p:txBody>
+      </p:sp>
+      <p:sp>
+        <p:nvSpPr>
+          <p:cNvPr id="12" name="TextBox 11">
+            <a:extLst>
+              <a:ext uri="{FF2B5EF4-FFF2-40B4-BE49-F238E27FC236}">
+                <a16:creationId xmlns:a16="http://schemas.microsoft.com/office/drawing/2014/main" id="{4E623402-055E-5001-AC21-3AA648F8BDF6}"/>
+              </a:ext>
+            </a:extLst>
+          </p:cNvPr>
+          <p:cNvSpPr txBox="1"/>
+          <p:nvPr/>
+        </p:nvSpPr>
+        <p:spPr>
+          <a:xfrm>
+            <a:off x="3127514" y="904682"/>
+            <a:ext cx="1800236" cy="461665"/>
+          </a:xfrm>
+          <a:prstGeom prst="rect">
+            <a:avLst/>
+          </a:prstGeom>
+          <a:noFill/>
+        </p:spPr>
+        <p:txBody>
+          <a:bodyPr wrap="none" rtlCol="0">
+            <a:spAutoFit/>
+          </a:bodyPr>
+          <a:lstStyle/>
+          <a:p>
+            <a:r>
+              <a:rPr lang="en-US" altLang="ko-KR" sz="2400" dirty="0">
+                <a:effectLst>
+                  <a:outerShdw blurRad="38100" dist="38100" dir="2700000" algn="tl">
+                    <a:srgbClr val="000000">
+                      <a:alpha val="43137"/>
+                    </a:srgbClr>
+                  </a:outerShdw>
+                </a:effectLst>
+                <a:latin typeface="Tahoma" panose="020B0604030504040204" pitchFamily="34" charset="0"/>
+                <a:ea typeface="Tahoma" panose="020B0604030504040204" pitchFamily="34" charset="0"/>
+                <a:cs typeface="Tahoma" panose="020B0604030504040204" pitchFamily="34" charset="0"/>
+              </a:rPr>
+              <a:t>PORTFOLIO</a:t>
+            </a:r>
+            <a:endParaRPr lang="ko-KR" altLang="en-US" sz="2400" dirty="0">
+              <a:effectLst>
+                <a:outerShdw blurRad="38100" dist="38100" dir="2700000" algn="tl">
+                  <a:srgbClr val="000000">
+                    <a:alpha val="43137"/>
+                  </a:srgbClr>
+                </a:outerShdw>
+              </a:effectLst>
+              <a:latin typeface="Tahoma" panose="020B0604030504040204" pitchFamily="34" charset="0"/>
+              <a:cs typeface="Tahoma" panose="020B0604030504040204" pitchFamily="34" charset="0"/>
+            </a:endParaRPr>
+          </a:p>
+        </p:txBody>
+      </p:sp>
+      <p:sp>
+        <p:nvSpPr>
+          <p:cNvPr id="21" name="직사각형 20">
+            <a:extLst>
+              <a:ext uri="{FF2B5EF4-FFF2-40B4-BE49-F238E27FC236}">
+                <a16:creationId xmlns:a16="http://schemas.microsoft.com/office/drawing/2014/main" id="{630D9741-3D7F-AAE9-525A-671BBCF71788}"/>
+              </a:ext>
+            </a:extLst>
+          </p:cNvPr>
+          <p:cNvSpPr/>
+          <p:nvPr/>
+        </p:nvSpPr>
+        <p:spPr>
+          <a:xfrm>
+            <a:off x="6067577" y="3429000"/>
+            <a:ext cx="4071430" cy="2626005"/>
+          </a:xfrm>
+          <a:prstGeom prst="rect">
+            <a:avLst/>
+          </a:prstGeom>
+          <a:noFill/>
+          <a:ln>
+            <a:solidFill>
+              <a:schemeClr val="tx1"/>
+            </a:solidFill>
+          </a:ln>
+        </p:spPr>
+        <p:style>
+          <a:lnRef idx="2">
+            <a:schemeClr val="accent1">
+              <a:shade val="50000"/>
+            </a:schemeClr>
+          </a:lnRef>
+          <a:fillRef idx="1">
+            <a:schemeClr val="accent1"/>
+          </a:fillRef>
+          <a:effectRef idx="0">
+            <a:schemeClr val="accent1"/>
+          </a:effectRef>
+          <a:fontRef idx="minor">
+            <a:schemeClr val="lt1"/>
+          </a:fontRef>
+        </p:style>
+        <p:txBody>
+          <a:bodyPr rtlCol="0" anchor="ctr"/>
+          <a:lstStyle/>
+          <a:p>
+            <a:pPr algn="ctr"/>
+            <a:endParaRPr lang="ko-KR" altLang="en-US"/>
+          </a:p>
+        </p:txBody>
+      </p:sp>
+      <p:sp>
+        <p:nvSpPr>
+          <p:cNvPr id="22" name="직사각형 21">
+            <a:extLst>
+              <a:ext uri="{FF2B5EF4-FFF2-40B4-BE49-F238E27FC236}">
+                <a16:creationId xmlns:a16="http://schemas.microsoft.com/office/drawing/2014/main" id="{8DC08657-6F53-58BA-1548-01350A20237B}"/>
+              </a:ext>
+            </a:extLst>
+          </p:cNvPr>
+          <p:cNvSpPr/>
+          <p:nvPr/>
+        </p:nvSpPr>
+        <p:spPr>
+          <a:xfrm>
+            <a:off x="6067577" y="800207"/>
+            <a:ext cx="4071430" cy="2626005"/>
+          </a:xfrm>
+          <a:prstGeom prst="rect">
+            <a:avLst/>
+          </a:prstGeom>
+          <a:noFill/>
+          <a:ln>
+            <a:solidFill>
+              <a:schemeClr val="tx1"/>
+            </a:solidFill>
+          </a:ln>
+        </p:spPr>
+        <p:style>
+          <a:lnRef idx="2">
+            <a:schemeClr val="accent1">
+              <a:shade val="50000"/>
+            </a:schemeClr>
+          </a:lnRef>
+          <a:fillRef idx="1">
+            <a:schemeClr val="accent1"/>
+          </a:fillRef>
+          <a:effectRef idx="0">
+            <a:schemeClr val="accent1"/>
+          </a:effectRef>
+          <a:fontRef idx="minor">
+            <a:schemeClr val="lt1"/>
+          </a:fontRef>
+        </p:style>
+        <p:txBody>
+          <a:bodyPr rtlCol="0" anchor="ctr"/>
+          <a:lstStyle/>
+          <a:p>
+            <a:pPr algn="ctr"/>
+            <a:endParaRPr lang="ko-KR" altLang="en-US"/>
+          </a:p>
+        </p:txBody>
+      </p:sp>
+      <p:sp>
+        <p:nvSpPr>
+          <p:cNvPr id="24" name="TextBox 23">
+            <a:extLst>
+              <a:ext uri="{FF2B5EF4-FFF2-40B4-BE49-F238E27FC236}">
+                <a16:creationId xmlns:a16="http://schemas.microsoft.com/office/drawing/2014/main" id="{60F30AA3-006B-8D72-5047-EE3A44997D65}"/>
+              </a:ext>
+            </a:extLst>
+          </p:cNvPr>
+          <p:cNvSpPr txBox="1"/>
+          <p:nvPr/>
+        </p:nvSpPr>
+        <p:spPr>
+          <a:xfrm>
+            <a:off x="7118535" y="3422480"/>
+            <a:ext cx="1969514" cy="400110"/>
+          </a:xfrm>
+          <a:prstGeom prst="rect">
+            <a:avLst/>
+          </a:prstGeom>
+          <a:noFill/>
+        </p:spPr>
+        <p:txBody>
+          <a:bodyPr wrap="none" rtlCol="0">
+            <a:spAutoFit/>
+          </a:bodyPr>
+          <a:lstStyle/>
+          <a:p>
+            <a:r>
+              <a:rPr lang="en-US" altLang="ko-KR" sz="2000" dirty="0">
+                <a:effectLst>
+                  <a:outerShdw blurRad="38100" dist="38100" dir="2700000" algn="tl">
+                    <a:srgbClr val="000000">
+                      <a:alpha val="43137"/>
+                    </a:srgbClr>
+                  </a:outerShdw>
+                </a:effectLst>
+                <a:latin typeface="Tahoma" panose="020B0604030504040204" pitchFamily="34" charset="0"/>
+                <a:ea typeface="Tahoma" panose="020B0604030504040204" pitchFamily="34" charset="0"/>
+                <a:cs typeface="Tahoma" panose="020B0604030504040204" pitchFamily="34" charset="0"/>
+              </a:rPr>
+              <a:t>R</a:t>
+            </a:r>
+            <a:r>
+              <a:rPr lang="en-US" altLang="ko-KR" sz="2000" b="0" i="0" dirty="0">
+                <a:effectLst>
+                  <a:outerShdw blurRad="38100" dist="38100" dir="2700000" algn="tl">
+                    <a:srgbClr val="000000">
+                      <a:alpha val="43137"/>
+                    </a:srgbClr>
+                  </a:outerShdw>
+                </a:effectLst>
+                <a:latin typeface="Tahoma" panose="020B0604030504040204" pitchFamily="34" charset="0"/>
+                <a:ea typeface="Tahoma" panose="020B0604030504040204" pitchFamily="34" charset="0"/>
+                <a:cs typeface="Tahoma" panose="020B0604030504040204" pitchFamily="34" charset="0"/>
+              </a:rPr>
+              <a:t>ecruit Member</a:t>
+            </a:r>
+            <a:endParaRPr lang="ko-KR" altLang="en-US" sz="2000" dirty="0">
+              <a:effectLst>
+                <a:outerShdw blurRad="38100" dist="38100" dir="2700000" algn="tl">
+                  <a:srgbClr val="000000">
+                    <a:alpha val="43137"/>
+                  </a:srgbClr>
+                </a:outerShdw>
+              </a:effectLst>
+              <a:latin typeface="Tahoma" panose="020B0604030504040204" pitchFamily="34" charset="0"/>
+              <a:cs typeface="Tahoma" panose="020B0604030504040204" pitchFamily="34" charset="0"/>
+            </a:endParaRPr>
+          </a:p>
+        </p:txBody>
+      </p:sp>
+      <p:sp>
+        <p:nvSpPr>
+          <p:cNvPr id="2" name="직사각형 1">
+            <a:extLst>
+              <a:ext uri="{FF2B5EF4-FFF2-40B4-BE49-F238E27FC236}">
+                <a16:creationId xmlns:a16="http://schemas.microsoft.com/office/drawing/2014/main" id="{96EF6EA2-D5B4-0365-FAA8-4963881B8404}"/>
+              </a:ext>
+            </a:extLst>
+          </p:cNvPr>
+          <p:cNvSpPr/>
+          <p:nvPr/>
+        </p:nvSpPr>
+        <p:spPr>
+          <a:xfrm>
+            <a:off x="2321861" y="1491725"/>
+            <a:ext cx="3384672" cy="377220"/>
+          </a:xfrm>
+          <a:prstGeom prst="rect">
+            <a:avLst/>
+          </a:prstGeom>
+          <a:solidFill>
+            <a:schemeClr val="bg1"/>
+          </a:solidFill>
+          <a:ln>
+            <a:solidFill>
+              <a:schemeClr val="tx1"/>
+            </a:solidFill>
+          </a:ln>
+        </p:spPr>
+        <p:style>
+          <a:lnRef idx="2">
+            <a:schemeClr val="accent1">
+              <a:shade val="50000"/>
+            </a:schemeClr>
+          </a:lnRef>
+          <a:fillRef idx="1">
+            <a:schemeClr val="accent1"/>
+          </a:fillRef>
+          <a:effectRef idx="0">
+            <a:schemeClr val="accent1"/>
+          </a:effectRef>
+          <a:fontRef idx="minor">
+            <a:schemeClr val="lt1"/>
+          </a:fontRef>
+        </p:style>
+        <p:txBody>
+          <a:bodyPr rtlCol="0" anchor="ctr"/>
+          <a:lstStyle/>
+          <a:p>
+            <a:pPr algn="ctr"/>
+            <a:r>
+              <a:rPr lang="en-US" altLang="ko-KR" sz="1100" dirty="0">
+                <a:solidFill>
+                  <a:schemeClr val="tx1"/>
+                </a:solidFill>
+                <a:latin typeface="Tahoma" panose="020B0604030504040204" pitchFamily="34" charset="0"/>
+                <a:ea typeface="Tahoma" panose="020B0604030504040204" pitchFamily="34" charset="0"/>
+                <a:cs typeface="Tahoma" panose="020B0604030504040204" pitchFamily="34" charset="0"/>
+              </a:rPr>
+              <a:t>Portfolio 01</a:t>
+            </a:r>
+            <a:endParaRPr lang="ko-KR" altLang="en-US" sz="1100" dirty="0">
+              <a:solidFill>
+                <a:schemeClr val="tx1"/>
+              </a:solidFill>
+              <a:latin typeface="Tahoma" panose="020B0604030504040204" pitchFamily="34" charset="0"/>
+              <a:cs typeface="Tahoma" panose="020B0604030504040204" pitchFamily="34" charset="0"/>
+            </a:endParaRPr>
+          </a:p>
+        </p:txBody>
+      </p:sp>
+      <p:sp>
+        <p:nvSpPr>
+          <p:cNvPr id="3" name="직사각형 2">
+            <a:extLst>
+              <a:ext uri="{FF2B5EF4-FFF2-40B4-BE49-F238E27FC236}">
+                <a16:creationId xmlns:a16="http://schemas.microsoft.com/office/drawing/2014/main" id="{F7BD03C8-B29A-6085-143A-1C1D0DFD80A0}"/>
+              </a:ext>
+            </a:extLst>
+          </p:cNvPr>
+          <p:cNvSpPr/>
+          <p:nvPr/>
+        </p:nvSpPr>
+        <p:spPr>
+          <a:xfrm>
+            <a:off x="2303493" y="2013074"/>
+            <a:ext cx="3384672" cy="377220"/>
+          </a:xfrm>
+          <a:prstGeom prst="rect">
+            <a:avLst/>
+          </a:prstGeom>
+          <a:solidFill>
+            <a:schemeClr val="bg1"/>
+          </a:solidFill>
+          <a:ln>
+            <a:solidFill>
+              <a:schemeClr val="tx1"/>
+            </a:solidFill>
+          </a:ln>
+        </p:spPr>
+        <p:style>
+          <a:lnRef idx="2">
+            <a:schemeClr val="accent1">
+              <a:shade val="50000"/>
+            </a:schemeClr>
+          </a:lnRef>
+          <a:fillRef idx="1">
+            <a:schemeClr val="accent1"/>
+          </a:fillRef>
+          <a:effectRef idx="0">
+            <a:schemeClr val="accent1"/>
+          </a:effectRef>
+          <a:fontRef idx="minor">
+            <a:schemeClr val="lt1"/>
+          </a:fontRef>
+        </p:style>
+        <p:txBody>
+          <a:bodyPr rtlCol="0" anchor="ctr"/>
+          <a:lstStyle/>
+          <a:p>
+            <a:pPr algn="ctr"/>
+            <a:r>
+              <a:rPr lang="en-US" altLang="ko-KR" sz="1100" dirty="0">
+                <a:solidFill>
+                  <a:schemeClr val="tx1"/>
+                </a:solidFill>
+                <a:latin typeface="Tahoma" panose="020B0604030504040204" pitchFamily="34" charset="0"/>
+                <a:ea typeface="Tahoma" panose="020B0604030504040204" pitchFamily="34" charset="0"/>
+                <a:cs typeface="Tahoma" panose="020B0604030504040204" pitchFamily="34" charset="0"/>
+              </a:rPr>
+              <a:t>Portfolio 02</a:t>
+            </a:r>
+            <a:endParaRPr lang="ko-KR" altLang="en-US" sz="1100" dirty="0">
+              <a:solidFill>
+                <a:schemeClr val="tx1"/>
+              </a:solidFill>
+              <a:latin typeface="Tahoma" panose="020B0604030504040204" pitchFamily="34" charset="0"/>
+              <a:cs typeface="Tahoma" panose="020B0604030504040204" pitchFamily="34" charset="0"/>
+            </a:endParaRPr>
+          </a:p>
+        </p:txBody>
+      </p:sp>
+      <p:sp>
+        <p:nvSpPr>
+          <p:cNvPr id="5" name="직사각형 4">
+            <a:extLst>
+              <a:ext uri="{FF2B5EF4-FFF2-40B4-BE49-F238E27FC236}">
+                <a16:creationId xmlns:a16="http://schemas.microsoft.com/office/drawing/2014/main" id="{D46FA3B4-D250-0F9A-92DF-A94F337A08EF}"/>
+              </a:ext>
+            </a:extLst>
+          </p:cNvPr>
+          <p:cNvSpPr/>
+          <p:nvPr/>
+        </p:nvSpPr>
+        <p:spPr>
+          <a:xfrm>
+            <a:off x="2303493" y="2534423"/>
+            <a:ext cx="3384672" cy="377220"/>
+          </a:xfrm>
+          <a:prstGeom prst="rect">
+            <a:avLst/>
+          </a:prstGeom>
+          <a:solidFill>
+            <a:schemeClr val="bg1"/>
+          </a:solidFill>
+          <a:ln>
+            <a:solidFill>
+              <a:schemeClr val="tx1"/>
+            </a:solidFill>
+          </a:ln>
+        </p:spPr>
+        <p:style>
+          <a:lnRef idx="2">
+            <a:schemeClr val="accent1">
+              <a:shade val="50000"/>
+            </a:schemeClr>
+          </a:lnRef>
+          <a:fillRef idx="1">
+            <a:schemeClr val="accent1"/>
+          </a:fillRef>
+          <a:effectRef idx="0">
+            <a:schemeClr val="accent1"/>
+          </a:effectRef>
+          <a:fontRef idx="minor">
+            <a:schemeClr val="lt1"/>
+          </a:fontRef>
+        </p:style>
+        <p:txBody>
+          <a:bodyPr rtlCol="0" anchor="ctr"/>
+          <a:lstStyle/>
+          <a:p>
+            <a:pPr algn="ctr"/>
+            <a:r>
+              <a:rPr lang="en-US" altLang="ko-KR" sz="1100" dirty="0">
+                <a:solidFill>
+                  <a:schemeClr val="tx1"/>
+                </a:solidFill>
+                <a:latin typeface="Tahoma" panose="020B0604030504040204" pitchFamily="34" charset="0"/>
+                <a:ea typeface="Tahoma" panose="020B0604030504040204" pitchFamily="34" charset="0"/>
+                <a:cs typeface="Tahoma" panose="020B0604030504040204" pitchFamily="34" charset="0"/>
+              </a:rPr>
+              <a:t>Portfolio 03</a:t>
+            </a:r>
+            <a:endParaRPr lang="ko-KR" altLang="en-US" sz="1100" dirty="0">
+              <a:solidFill>
+                <a:schemeClr val="tx1"/>
+              </a:solidFill>
+              <a:latin typeface="Tahoma" panose="020B0604030504040204" pitchFamily="34" charset="0"/>
+              <a:cs typeface="Tahoma" panose="020B0604030504040204" pitchFamily="34" charset="0"/>
+            </a:endParaRPr>
+          </a:p>
+        </p:txBody>
+      </p:sp>
+      <p:sp>
+        <p:nvSpPr>
+          <p:cNvPr id="6" name="직사각형 5">
+            <a:extLst>
+              <a:ext uri="{FF2B5EF4-FFF2-40B4-BE49-F238E27FC236}">
+                <a16:creationId xmlns:a16="http://schemas.microsoft.com/office/drawing/2014/main" id="{FF7241AA-0EE0-C49D-A39E-C1EC2C171C6A}"/>
+              </a:ext>
+            </a:extLst>
+          </p:cNvPr>
+          <p:cNvSpPr/>
+          <p:nvPr/>
+        </p:nvSpPr>
+        <p:spPr>
+          <a:xfrm>
+            <a:off x="2303493" y="3055772"/>
+            <a:ext cx="3384672" cy="377220"/>
+          </a:xfrm>
+          <a:prstGeom prst="rect">
+            <a:avLst/>
+          </a:prstGeom>
+          <a:solidFill>
+            <a:schemeClr val="bg1"/>
+          </a:solidFill>
+          <a:ln>
+            <a:solidFill>
+              <a:schemeClr val="tx1"/>
+            </a:solidFill>
+          </a:ln>
+        </p:spPr>
+        <p:style>
+          <a:lnRef idx="2">
+            <a:schemeClr val="accent1">
+              <a:shade val="50000"/>
+            </a:schemeClr>
+          </a:lnRef>
+          <a:fillRef idx="1">
+            <a:schemeClr val="accent1"/>
+          </a:fillRef>
+          <a:effectRef idx="0">
+            <a:schemeClr val="accent1"/>
+          </a:effectRef>
+          <a:fontRef idx="minor">
+            <a:schemeClr val="lt1"/>
+          </a:fontRef>
+        </p:style>
+        <p:txBody>
+          <a:bodyPr rtlCol="0" anchor="ctr"/>
+          <a:lstStyle/>
+          <a:p>
+            <a:pPr algn="ctr"/>
+            <a:r>
+              <a:rPr lang="en-US" altLang="ko-KR" sz="1100" dirty="0">
+                <a:solidFill>
+                  <a:schemeClr val="tx1"/>
+                </a:solidFill>
+                <a:latin typeface="Tahoma" panose="020B0604030504040204" pitchFamily="34" charset="0"/>
+                <a:ea typeface="Tahoma" panose="020B0604030504040204" pitchFamily="34" charset="0"/>
+                <a:cs typeface="Tahoma" panose="020B0604030504040204" pitchFamily="34" charset="0"/>
+              </a:rPr>
+              <a:t>Portfolio 04</a:t>
+            </a:r>
+            <a:endParaRPr lang="ko-KR" altLang="en-US" sz="1100" dirty="0">
+              <a:solidFill>
+                <a:schemeClr val="tx1"/>
+              </a:solidFill>
+              <a:latin typeface="Tahoma" panose="020B0604030504040204" pitchFamily="34" charset="0"/>
+              <a:cs typeface="Tahoma" panose="020B0604030504040204" pitchFamily="34" charset="0"/>
+            </a:endParaRPr>
+          </a:p>
+        </p:txBody>
+      </p:sp>
+      <p:sp>
+        <p:nvSpPr>
+          <p:cNvPr id="7" name="직사각형 6">
+            <a:extLst>
+              <a:ext uri="{FF2B5EF4-FFF2-40B4-BE49-F238E27FC236}">
+                <a16:creationId xmlns:a16="http://schemas.microsoft.com/office/drawing/2014/main" id="{FEA31636-E389-34E3-4BF3-CE2EFA4968EE}"/>
+              </a:ext>
+            </a:extLst>
+          </p:cNvPr>
+          <p:cNvSpPr/>
+          <p:nvPr/>
+        </p:nvSpPr>
+        <p:spPr>
+          <a:xfrm>
+            <a:off x="2303493" y="3577121"/>
+            <a:ext cx="3384672" cy="377220"/>
+          </a:xfrm>
+          <a:prstGeom prst="rect">
+            <a:avLst/>
+          </a:prstGeom>
+          <a:solidFill>
+            <a:schemeClr val="bg1"/>
+          </a:solidFill>
+          <a:ln>
+            <a:solidFill>
+              <a:schemeClr val="tx1"/>
+            </a:solidFill>
+          </a:ln>
+        </p:spPr>
+        <p:style>
+          <a:lnRef idx="2">
+            <a:schemeClr val="accent1">
+              <a:shade val="50000"/>
+            </a:schemeClr>
+          </a:lnRef>
+          <a:fillRef idx="1">
+            <a:schemeClr val="accent1"/>
+          </a:fillRef>
+          <a:effectRef idx="0">
+            <a:schemeClr val="accent1"/>
+          </a:effectRef>
+          <a:fontRef idx="minor">
+            <a:schemeClr val="lt1"/>
+          </a:fontRef>
+        </p:style>
+        <p:txBody>
+          <a:bodyPr rtlCol="0" anchor="ctr"/>
+          <a:lstStyle/>
+          <a:p>
+            <a:pPr algn="ctr"/>
+            <a:r>
+              <a:rPr lang="en-US" altLang="ko-KR" sz="1100" dirty="0">
+                <a:solidFill>
+                  <a:schemeClr val="tx1"/>
+                </a:solidFill>
+                <a:latin typeface="Tahoma" panose="020B0604030504040204" pitchFamily="34" charset="0"/>
+                <a:ea typeface="Tahoma" panose="020B0604030504040204" pitchFamily="34" charset="0"/>
+                <a:cs typeface="Tahoma" panose="020B0604030504040204" pitchFamily="34" charset="0"/>
+              </a:rPr>
+              <a:t>Portfolio 05</a:t>
+            </a:r>
+            <a:endParaRPr lang="ko-KR" altLang="en-US" sz="1100" dirty="0">
+              <a:solidFill>
+                <a:schemeClr val="tx1"/>
+              </a:solidFill>
+              <a:latin typeface="Tahoma" panose="020B0604030504040204" pitchFamily="34" charset="0"/>
+              <a:cs typeface="Tahoma" panose="020B0604030504040204" pitchFamily="34" charset="0"/>
+            </a:endParaRPr>
+          </a:p>
+        </p:txBody>
+      </p:sp>
+      <p:sp>
+        <p:nvSpPr>
+          <p:cNvPr id="8" name="직사각형 7">
+            <a:extLst>
+              <a:ext uri="{FF2B5EF4-FFF2-40B4-BE49-F238E27FC236}">
+                <a16:creationId xmlns:a16="http://schemas.microsoft.com/office/drawing/2014/main" id="{9FB159AE-B182-FC07-F9D9-DA254EDF193A}"/>
+              </a:ext>
+            </a:extLst>
+          </p:cNvPr>
+          <p:cNvSpPr/>
+          <p:nvPr/>
+        </p:nvSpPr>
+        <p:spPr>
+          <a:xfrm>
+            <a:off x="2303493" y="4098470"/>
+            <a:ext cx="3384672" cy="377220"/>
+          </a:xfrm>
+          <a:prstGeom prst="rect">
+            <a:avLst/>
+          </a:prstGeom>
+          <a:solidFill>
+            <a:schemeClr val="bg1"/>
+          </a:solidFill>
+          <a:ln>
+            <a:solidFill>
+              <a:schemeClr val="tx1"/>
+            </a:solidFill>
+          </a:ln>
+        </p:spPr>
+        <p:style>
+          <a:lnRef idx="2">
+            <a:schemeClr val="accent1">
+              <a:shade val="50000"/>
+            </a:schemeClr>
+          </a:lnRef>
+          <a:fillRef idx="1">
+            <a:schemeClr val="accent1"/>
+          </a:fillRef>
+          <a:effectRef idx="0">
+            <a:schemeClr val="accent1"/>
+          </a:effectRef>
+          <a:fontRef idx="minor">
+            <a:schemeClr val="lt1"/>
+          </a:fontRef>
+        </p:style>
+        <p:txBody>
+          <a:bodyPr rtlCol="0" anchor="ctr"/>
+          <a:lstStyle/>
+          <a:p>
+            <a:pPr algn="ctr"/>
+            <a:r>
+              <a:rPr lang="en-US" altLang="ko-KR" sz="1100" dirty="0">
+                <a:solidFill>
+                  <a:schemeClr val="tx1"/>
+                </a:solidFill>
+                <a:latin typeface="Tahoma" panose="020B0604030504040204" pitchFamily="34" charset="0"/>
+                <a:ea typeface="Tahoma" panose="020B0604030504040204" pitchFamily="34" charset="0"/>
+                <a:cs typeface="Tahoma" panose="020B0604030504040204" pitchFamily="34" charset="0"/>
+              </a:rPr>
+              <a:t>Portfolio 06</a:t>
+            </a:r>
+            <a:endParaRPr lang="ko-KR" altLang="en-US" sz="1100" dirty="0">
+              <a:solidFill>
+                <a:schemeClr val="tx1"/>
+              </a:solidFill>
+              <a:latin typeface="Tahoma" panose="020B0604030504040204" pitchFamily="34" charset="0"/>
+              <a:cs typeface="Tahoma" panose="020B0604030504040204" pitchFamily="34" charset="0"/>
+            </a:endParaRPr>
+          </a:p>
+        </p:txBody>
+      </p:sp>
+      <p:sp>
+        <p:nvSpPr>
+          <p:cNvPr id="9" name="직사각형 8">
+            <a:extLst>
+              <a:ext uri="{FF2B5EF4-FFF2-40B4-BE49-F238E27FC236}">
+                <a16:creationId xmlns:a16="http://schemas.microsoft.com/office/drawing/2014/main" id="{A1077ECE-2551-EF9E-6910-180DA2F7A133}"/>
+              </a:ext>
+            </a:extLst>
+          </p:cNvPr>
+          <p:cNvSpPr/>
+          <p:nvPr/>
+        </p:nvSpPr>
+        <p:spPr>
+          <a:xfrm>
+            <a:off x="2303493" y="4619819"/>
+            <a:ext cx="3384672" cy="377220"/>
+          </a:xfrm>
+          <a:prstGeom prst="rect">
+            <a:avLst/>
+          </a:prstGeom>
+          <a:solidFill>
+            <a:schemeClr val="bg1"/>
+          </a:solidFill>
+          <a:ln>
+            <a:solidFill>
+              <a:schemeClr val="tx1"/>
+            </a:solidFill>
+          </a:ln>
+        </p:spPr>
+        <p:style>
+          <a:lnRef idx="2">
+            <a:schemeClr val="accent1">
+              <a:shade val="50000"/>
+            </a:schemeClr>
+          </a:lnRef>
+          <a:fillRef idx="1">
+            <a:schemeClr val="accent1"/>
+          </a:fillRef>
+          <a:effectRef idx="0">
+            <a:schemeClr val="accent1"/>
+          </a:effectRef>
+          <a:fontRef idx="minor">
+            <a:schemeClr val="lt1"/>
+          </a:fontRef>
+        </p:style>
+        <p:txBody>
+          <a:bodyPr rtlCol="0" anchor="ctr"/>
+          <a:lstStyle/>
+          <a:p>
+            <a:pPr algn="ctr"/>
+            <a:endParaRPr lang="ko-KR" altLang="en-US" sz="1100" dirty="0">
+              <a:solidFill>
+                <a:schemeClr val="tx1"/>
+              </a:solidFill>
+              <a:latin typeface="Tahoma" panose="020B0604030504040204" pitchFamily="34" charset="0"/>
+              <a:cs typeface="Tahoma" panose="020B0604030504040204" pitchFamily="34" charset="0"/>
+            </a:endParaRPr>
+          </a:p>
+        </p:txBody>
+      </p:sp>
+      <p:sp>
+        <p:nvSpPr>
+          <p:cNvPr id="10" name="직사각형 9">
+            <a:extLst>
+              <a:ext uri="{FF2B5EF4-FFF2-40B4-BE49-F238E27FC236}">
+                <a16:creationId xmlns:a16="http://schemas.microsoft.com/office/drawing/2014/main" id="{3BB5A7BA-F624-F26C-0700-E97CE74C6254}"/>
+              </a:ext>
+            </a:extLst>
+          </p:cNvPr>
+          <p:cNvSpPr/>
+          <p:nvPr/>
+        </p:nvSpPr>
+        <p:spPr>
+          <a:xfrm>
+            <a:off x="2303493" y="5141168"/>
+            <a:ext cx="3384672" cy="377220"/>
+          </a:xfrm>
+          <a:prstGeom prst="rect">
+            <a:avLst/>
+          </a:prstGeom>
+          <a:solidFill>
+            <a:schemeClr val="bg1"/>
+          </a:solidFill>
+          <a:ln>
+            <a:solidFill>
+              <a:schemeClr val="tx1"/>
+            </a:solidFill>
+          </a:ln>
+        </p:spPr>
+        <p:style>
+          <a:lnRef idx="2">
+            <a:schemeClr val="accent1">
+              <a:shade val="50000"/>
+            </a:schemeClr>
+          </a:lnRef>
+          <a:fillRef idx="1">
+            <a:schemeClr val="accent1"/>
+          </a:fillRef>
+          <a:effectRef idx="0">
+            <a:schemeClr val="accent1"/>
+          </a:effectRef>
+          <a:fontRef idx="minor">
+            <a:schemeClr val="lt1"/>
+          </a:fontRef>
+        </p:style>
+        <p:txBody>
+          <a:bodyPr rtlCol="0" anchor="ctr"/>
+          <a:lstStyle/>
+          <a:p>
+            <a:pPr algn="ctr"/>
+            <a:endParaRPr lang="ko-KR" altLang="en-US" sz="1100" dirty="0">
+              <a:solidFill>
+                <a:schemeClr val="tx1"/>
+              </a:solidFill>
+              <a:latin typeface="Tahoma" panose="020B0604030504040204" pitchFamily="34" charset="0"/>
+              <a:cs typeface="Tahoma" panose="020B0604030504040204" pitchFamily="34" charset="0"/>
+            </a:endParaRPr>
+          </a:p>
+        </p:txBody>
+      </p:sp>
+      <p:sp>
+        <p:nvSpPr>
+          <p:cNvPr id="11" name="화살표: 오른쪽 10">
+            <a:extLst>
+              <a:ext uri="{FF2B5EF4-FFF2-40B4-BE49-F238E27FC236}">
+                <a16:creationId xmlns:a16="http://schemas.microsoft.com/office/drawing/2014/main" id="{29422ED5-E795-FF86-0A9B-080532F8E9FA}"/>
+              </a:ext>
+            </a:extLst>
+          </p:cNvPr>
+          <p:cNvSpPr/>
+          <p:nvPr/>
+        </p:nvSpPr>
+        <p:spPr>
+          <a:xfrm>
+            <a:off x="2684019" y="5647266"/>
+            <a:ext cx="337916" cy="245533"/>
+          </a:xfrm>
+          <a:prstGeom prst="rightArrow">
+            <a:avLst/>
+          </a:prstGeom>
+          <a:solidFill>
+            <a:schemeClr val="tx1"/>
+          </a:solidFill>
+          <a:ln>
+            <a:solidFill>
+              <a:schemeClr val="tx1"/>
+            </a:solidFill>
+          </a:ln>
+        </p:spPr>
+        <p:style>
+          <a:lnRef idx="2">
+            <a:schemeClr val="accent1">
+              <a:shade val="50000"/>
+            </a:schemeClr>
+          </a:lnRef>
+          <a:fillRef idx="1">
+            <a:schemeClr val="accent1"/>
+          </a:fillRef>
+          <a:effectRef idx="0">
+            <a:schemeClr val="accent1"/>
+          </a:effectRef>
+          <a:fontRef idx="minor">
+            <a:schemeClr val="lt1"/>
+          </a:fontRef>
+        </p:style>
+        <p:txBody>
+          <a:bodyPr rtlCol="0" anchor="ctr"/>
+          <a:lstStyle/>
+          <a:p>
+            <a:pPr algn="ctr"/>
+            <a:endParaRPr lang="ko-KR" altLang="en-US"/>
+          </a:p>
+        </p:txBody>
+      </p:sp>
+      <p:sp>
+        <p:nvSpPr>
+          <p:cNvPr id="13" name="화살표: 오른쪽 12">
+            <a:extLst>
+              <a:ext uri="{FF2B5EF4-FFF2-40B4-BE49-F238E27FC236}">
+                <a16:creationId xmlns:a16="http://schemas.microsoft.com/office/drawing/2014/main" id="{641A0F08-7023-41E0-D2F8-9A8398F3971E}"/>
+              </a:ext>
+            </a:extLst>
+          </p:cNvPr>
+          <p:cNvSpPr/>
+          <p:nvPr/>
+        </p:nvSpPr>
+        <p:spPr>
+          <a:xfrm rot="10800000">
+            <a:off x="2134535" y="5647266"/>
+            <a:ext cx="337916" cy="245533"/>
+          </a:xfrm>
+          <a:prstGeom prst="rightArrow">
+            <a:avLst/>
+          </a:prstGeom>
+          <a:solidFill>
+            <a:schemeClr val="tx1"/>
+          </a:solidFill>
+          <a:ln>
+            <a:solidFill>
+              <a:schemeClr val="tx1"/>
+            </a:solidFill>
+          </a:ln>
+        </p:spPr>
+        <p:style>
+          <a:lnRef idx="2">
+            <a:schemeClr val="accent1">
+              <a:shade val="50000"/>
+            </a:schemeClr>
+          </a:lnRef>
+          <a:fillRef idx="1">
+            <a:schemeClr val="accent1"/>
+          </a:fillRef>
+          <a:effectRef idx="0">
+            <a:schemeClr val="accent1"/>
+          </a:effectRef>
+          <a:fontRef idx="minor">
+            <a:schemeClr val="lt1"/>
+          </a:fontRef>
+        </p:style>
+        <p:txBody>
+          <a:bodyPr rtlCol="0" anchor="ctr"/>
+          <a:lstStyle/>
+          <a:p>
+            <a:pPr algn="ctr"/>
+            <a:endParaRPr lang="ko-KR" altLang="en-US"/>
+          </a:p>
+        </p:txBody>
+      </p:sp>
+      <p:sp>
+        <p:nvSpPr>
+          <p:cNvPr id="14" name="TextBox 13">
+            <a:extLst>
+              <a:ext uri="{FF2B5EF4-FFF2-40B4-BE49-F238E27FC236}">
+                <a16:creationId xmlns:a16="http://schemas.microsoft.com/office/drawing/2014/main" id="{30F58D5C-36C0-11EE-5766-EF84839A97CE}"/>
+              </a:ext>
+            </a:extLst>
+          </p:cNvPr>
+          <p:cNvSpPr txBox="1"/>
+          <p:nvPr/>
+        </p:nvSpPr>
+        <p:spPr>
+          <a:xfrm>
+            <a:off x="3516180" y="5616143"/>
+            <a:ext cx="990977" cy="307777"/>
+          </a:xfrm>
+          <a:prstGeom prst="rect">
+            <a:avLst/>
+          </a:prstGeom>
+          <a:noFill/>
+        </p:spPr>
+        <p:txBody>
+          <a:bodyPr wrap="none" rtlCol="0">
+            <a:spAutoFit/>
+          </a:bodyPr>
+          <a:lstStyle/>
+          <a:p>
+            <a:r>
+              <a:rPr lang="en-US" altLang="ko-KR" sz="1400" dirty="0">
+                <a:latin typeface="Tahoma" panose="020B0604030504040204" pitchFamily="34" charset="0"/>
+                <a:ea typeface="Tahoma" panose="020B0604030504040204" pitchFamily="34" charset="0"/>
+                <a:cs typeface="Tahoma" panose="020B0604030504040204" pitchFamily="34" charset="0"/>
+              </a:rPr>
+              <a:t>1/10 page</a:t>
+            </a:r>
+            <a:endParaRPr lang="ko-KR" altLang="en-US" sz="1400" dirty="0">
+              <a:latin typeface="Tahoma" panose="020B0604030504040204" pitchFamily="34" charset="0"/>
+              <a:cs typeface="Tahoma" panose="020B0604030504040204" pitchFamily="34" charset="0"/>
+            </a:endParaRPr>
+          </a:p>
+        </p:txBody>
+      </p:sp>
+      <p:sp>
+        <p:nvSpPr>
+          <p:cNvPr id="15" name="직사각형 14">
+            <a:extLst>
+              <a:ext uri="{FF2B5EF4-FFF2-40B4-BE49-F238E27FC236}">
+                <a16:creationId xmlns:a16="http://schemas.microsoft.com/office/drawing/2014/main" id="{2CAE953C-E805-5B57-CEFD-F15EB0FD85FE}"/>
+              </a:ext>
+            </a:extLst>
+          </p:cNvPr>
+          <p:cNvSpPr/>
+          <p:nvPr/>
+        </p:nvSpPr>
+        <p:spPr>
+          <a:xfrm>
+            <a:off x="6418447" y="3918816"/>
+            <a:ext cx="3384672" cy="377220"/>
+          </a:xfrm>
+          <a:prstGeom prst="rect">
+            <a:avLst/>
+          </a:prstGeom>
+          <a:solidFill>
+            <a:schemeClr val="bg1"/>
+          </a:solidFill>
+          <a:ln>
+            <a:solidFill>
+              <a:schemeClr val="tx1"/>
+            </a:solidFill>
+          </a:ln>
+        </p:spPr>
+        <p:style>
+          <a:lnRef idx="2">
+            <a:schemeClr val="accent1">
+              <a:shade val="50000"/>
+            </a:schemeClr>
+          </a:lnRef>
+          <a:fillRef idx="1">
+            <a:schemeClr val="accent1"/>
+          </a:fillRef>
+          <a:effectRef idx="0">
+            <a:schemeClr val="accent1"/>
+          </a:effectRef>
+          <a:fontRef idx="minor">
+            <a:schemeClr val="lt1"/>
+          </a:fontRef>
+        </p:style>
+        <p:txBody>
+          <a:bodyPr rtlCol="0" anchor="ctr"/>
+          <a:lstStyle/>
+          <a:p>
+            <a:r>
+              <a:rPr lang="ko-KR" altLang="en-US" sz="1100" dirty="0">
+                <a:solidFill>
+                  <a:schemeClr val="tx1"/>
+                </a:solidFill>
+                <a:latin typeface="Tahoma" panose="020B0604030504040204" pitchFamily="34" charset="0"/>
+                <a:cs typeface="Tahoma" panose="020B0604030504040204" pitchFamily="34" charset="0"/>
+              </a:rPr>
+              <a:t>프론트 엔드 개발자 모집</a:t>
+            </a:r>
+            <a:endParaRPr lang="en-US" altLang="ko-KR" sz="1100" dirty="0">
+              <a:solidFill>
+                <a:schemeClr val="tx1"/>
+              </a:solidFill>
+              <a:latin typeface="Tahoma" panose="020B0604030504040204" pitchFamily="34" charset="0"/>
+              <a:cs typeface="Tahoma" panose="020B0604030504040204" pitchFamily="34" charset="0"/>
+            </a:endParaRPr>
+          </a:p>
+          <a:p>
+            <a:r>
+              <a:rPr lang="ko-KR" altLang="en-US" sz="800" dirty="0">
+                <a:solidFill>
+                  <a:schemeClr val="tx1"/>
+                </a:solidFill>
+                <a:latin typeface="Tahoma" panose="020B0604030504040204" pitchFamily="34" charset="0"/>
+                <a:cs typeface="Tahoma" panose="020B0604030504040204" pitchFamily="34" charset="0"/>
+              </a:rPr>
+              <a:t> 경력 무관</a:t>
+            </a:r>
+            <a:r>
+              <a:rPr lang="en-US" altLang="ko-KR" sz="800" dirty="0">
+                <a:solidFill>
+                  <a:schemeClr val="tx1"/>
+                </a:solidFill>
+                <a:latin typeface="Tahoma" panose="020B0604030504040204" pitchFamily="34" charset="0"/>
+                <a:cs typeface="Tahoma" panose="020B0604030504040204" pitchFamily="34" charset="0"/>
+              </a:rPr>
+              <a:t>, </a:t>
+            </a:r>
+            <a:r>
+              <a:rPr lang="ko-KR" altLang="en-US" sz="800" dirty="0">
+                <a:solidFill>
+                  <a:schemeClr val="tx1"/>
+                </a:solidFill>
+                <a:latin typeface="Tahoma" panose="020B0604030504040204" pitchFamily="34" charset="0"/>
+                <a:cs typeface="Tahoma" panose="020B0604030504040204" pitchFamily="34" charset="0"/>
+              </a:rPr>
+              <a:t>학력무관</a:t>
+            </a:r>
+          </a:p>
+        </p:txBody>
+      </p:sp>
+      <p:sp>
+        <p:nvSpPr>
+          <p:cNvPr id="18" name="직사각형 17">
+            <a:extLst>
+              <a:ext uri="{FF2B5EF4-FFF2-40B4-BE49-F238E27FC236}">
+                <a16:creationId xmlns:a16="http://schemas.microsoft.com/office/drawing/2014/main" id="{DD49F5A0-65A3-A909-6F29-EDE6D6D8727A}"/>
+              </a:ext>
+            </a:extLst>
+          </p:cNvPr>
+          <p:cNvSpPr/>
+          <p:nvPr/>
+        </p:nvSpPr>
+        <p:spPr>
+          <a:xfrm>
+            <a:off x="6418447" y="5342433"/>
+            <a:ext cx="3384672" cy="377220"/>
+          </a:xfrm>
+          <a:prstGeom prst="rect">
+            <a:avLst/>
+          </a:prstGeom>
+          <a:solidFill>
+            <a:schemeClr val="bg1"/>
+          </a:solidFill>
+          <a:ln>
+            <a:solidFill>
+              <a:schemeClr val="tx1"/>
+            </a:solidFill>
+          </a:ln>
+        </p:spPr>
+        <p:style>
+          <a:lnRef idx="2">
+            <a:schemeClr val="accent1">
+              <a:shade val="50000"/>
+            </a:schemeClr>
+          </a:lnRef>
+          <a:fillRef idx="1">
+            <a:schemeClr val="accent1"/>
+          </a:fillRef>
+          <a:effectRef idx="0">
+            <a:schemeClr val="accent1"/>
+          </a:effectRef>
+          <a:fontRef idx="minor">
+            <a:schemeClr val="lt1"/>
+          </a:fontRef>
+        </p:style>
+        <p:txBody>
+          <a:bodyPr rtlCol="0" anchor="ctr"/>
+          <a:lstStyle/>
+          <a:p>
+            <a:endParaRPr lang="ko-KR" altLang="en-US" sz="800" dirty="0">
+              <a:solidFill>
+                <a:schemeClr val="tx1"/>
+              </a:solidFill>
+              <a:latin typeface="Tahoma" panose="020B0604030504040204" pitchFamily="34" charset="0"/>
+              <a:cs typeface="Tahoma" panose="020B0604030504040204" pitchFamily="34" charset="0"/>
+            </a:endParaRPr>
+          </a:p>
+        </p:txBody>
+      </p:sp>
+      <p:sp>
+        <p:nvSpPr>
+          <p:cNvPr id="19" name="직사각형 18">
+            <a:extLst>
+              <a:ext uri="{FF2B5EF4-FFF2-40B4-BE49-F238E27FC236}">
+                <a16:creationId xmlns:a16="http://schemas.microsoft.com/office/drawing/2014/main" id="{DF450628-F7BD-0565-830C-94C5F9E4CD99}"/>
+              </a:ext>
+            </a:extLst>
+          </p:cNvPr>
+          <p:cNvSpPr/>
+          <p:nvPr/>
+        </p:nvSpPr>
+        <p:spPr>
+          <a:xfrm>
+            <a:off x="9241833" y="3571386"/>
+            <a:ext cx="742356" cy="248417"/>
+          </a:xfrm>
+          <a:prstGeom prst="rect">
+            <a:avLst/>
+          </a:prstGeom>
+          <a:solidFill>
+            <a:schemeClr val="bg1"/>
+          </a:solidFill>
+          <a:ln>
+            <a:solidFill>
+              <a:schemeClr val="tx1"/>
+            </a:solidFill>
+          </a:ln>
+        </p:spPr>
+        <p:style>
+          <a:lnRef idx="2">
+            <a:schemeClr val="accent1">
+              <a:shade val="50000"/>
+            </a:schemeClr>
+          </a:lnRef>
+          <a:fillRef idx="1">
+            <a:schemeClr val="accent1"/>
+          </a:fillRef>
+          <a:effectRef idx="0">
+            <a:schemeClr val="accent1"/>
+          </a:effectRef>
+          <a:fontRef idx="minor">
+            <a:schemeClr val="lt1"/>
+          </a:fontRef>
+        </p:style>
+        <p:txBody>
+          <a:bodyPr rtlCol="0" anchor="ctr"/>
+          <a:lstStyle/>
+          <a:p>
+            <a:pPr algn="ctr"/>
+            <a:r>
+              <a:rPr lang="en-US" altLang="ko-KR" sz="1100" dirty="0">
+                <a:solidFill>
+                  <a:schemeClr val="tx1"/>
+                </a:solidFill>
+              </a:rPr>
+              <a:t>View All</a:t>
+            </a:r>
+          </a:p>
+        </p:txBody>
+      </p:sp>
+      <p:sp>
+        <p:nvSpPr>
+          <p:cNvPr id="20" name="직사각형 19">
+            <a:extLst>
+              <a:ext uri="{FF2B5EF4-FFF2-40B4-BE49-F238E27FC236}">
+                <a16:creationId xmlns:a16="http://schemas.microsoft.com/office/drawing/2014/main" id="{383059D4-B73D-93DF-B298-F03EC0069623}"/>
+              </a:ext>
+            </a:extLst>
+          </p:cNvPr>
+          <p:cNvSpPr/>
+          <p:nvPr/>
+        </p:nvSpPr>
+        <p:spPr>
+          <a:xfrm>
+            <a:off x="6418447" y="4393355"/>
+            <a:ext cx="3384672" cy="377220"/>
+          </a:xfrm>
+          <a:prstGeom prst="rect">
+            <a:avLst/>
+          </a:prstGeom>
+          <a:solidFill>
+            <a:schemeClr val="bg1"/>
+          </a:solidFill>
+          <a:ln>
+            <a:solidFill>
+              <a:schemeClr val="tx1"/>
+            </a:solidFill>
+          </a:ln>
+        </p:spPr>
+        <p:style>
+          <a:lnRef idx="2">
+            <a:schemeClr val="accent1">
+              <a:shade val="50000"/>
+            </a:schemeClr>
+          </a:lnRef>
+          <a:fillRef idx="1">
+            <a:schemeClr val="accent1"/>
+          </a:fillRef>
+          <a:effectRef idx="0">
+            <a:schemeClr val="accent1"/>
+          </a:effectRef>
+          <a:fontRef idx="minor">
+            <a:schemeClr val="lt1"/>
+          </a:fontRef>
+        </p:style>
+        <p:txBody>
+          <a:bodyPr rtlCol="0" anchor="ctr"/>
+          <a:lstStyle/>
+          <a:p>
+            <a:r>
+              <a:rPr lang="ko-KR" altLang="en-US" sz="1100" dirty="0">
+                <a:solidFill>
+                  <a:schemeClr val="tx1"/>
+                </a:solidFill>
+                <a:latin typeface="Tahoma" panose="020B0604030504040204" pitchFamily="34" charset="0"/>
+                <a:cs typeface="Tahoma" panose="020B0604030504040204" pitchFamily="34" charset="0"/>
+              </a:rPr>
+              <a:t>그래픽 디자이너 모집</a:t>
+            </a:r>
+            <a:endParaRPr lang="en-US" altLang="ko-KR" sz="1100" dirty="0">
+              <a:solidFill>
+                <a:schemeClr val="tx1"/>
+              </a:solidFill>
+              <a:latin typeface="Tahoma" panose="020B0604030504040204" pitchFamily="34" charset="0"/>
+              <a:cs typeface="Tahoma" panose="020B0604030504040204" pitchFamily="34" charset="0"/>
+            </a:endParaRPr>
+          </a:p>
+          <a:p>
+            <a:r>
+              <a:rPr lang="ko-KR" altLang="en-US" sz="800" dirty="0">
+                <a:solidFill>
+                  <a:schemeClr val="tx1"/>
+                </a:solidFill>
+                <a:latin typeface="Tahoma" panose="020B0604030504040204" pitchFamily="34" charset="0"/>
+                <a:cs typeface="Tahoma" panose="020B0604030504040204" pitchFamily="34" charset="0"/>
+              </a:rPr>
+              <a:t> 경력 무관</a:t>
+            </a:r>
+            <a:r>
+              <a:rPr lang="en-US" altLang="ko-KR" sz="800" dirty="0">
+                <a:solidFill>
+                  <a:schemeClr val="tx1"/>
+                </a:solidFill>
+                <a:latin typeface="Tahoma" panose="020B0604030504040204" pitchFamily="34" charset="0"/>
+                <a:cs typeface="Tahoma" panose="020B0604030504040204" pitchFamily="34" charset="0"/>
+              </a:rPr>
+              <a:t>, </a:t>
+            </a:r>
+            <a:r>
+              <a:rPr lang="ko-KR" altLang="en-US" sz="800" dirty="0">
+                <a:solidFill>
+                  <a:schemeClr val="tx1"/>
+                </a:solidFill>
+                <a:latin typeface="Tahoma" panose="020B0604030504040204" pitchFamily="34" charset="0"/>
+                <a:cs typeface="Tahoma" panose="020B0604030504040204" pitchFamily="34" charset="0"/>
+              </a:rPr>
+              <a:t>학력무관</a:t>
+            </a:r>
+          </a:p>
+        </p:txBody>
+      </p:sp>
+      <p:sp>
+        <p:nvSpPr>
+          <p:cNvPr id="29" name="직사각형 28">
+            <a:extLst>
+              <a:ext uri="{FF2B5EF4-FFF2-40B4-BE49-F238E27FC236}">
+                <a16:creationId xmlns:a16="http://schemas.microsoft.com/office/drawing/2014/main" id="{2A721F82-767D-9592-21FF-9B8142A2A14C}"/>
+              </a:ext>
+            </a:extLst>
+          </p:cNvPr>
+          <p:cNvSpPr/>
+          <p:nvPr/>
+        </p:nvSpPr>
+        <p:spPr>
+          <a:xfrm>
+            <a:off x="6418447" y="4867894"/>
+            <a:ext cx="3384672" cy="377220"/>
+          </a:xfrm>
+          <a:prstGeom prst="rect">
+            <a:avLst/>
+          </a:prstGeom>
+          <a:solidFill>
+            <a:schemeClr val="bg1"/>
+          </a:solidFill>
+          <a:ln>
+            <a:solidFill>
+              <a:schemeClr val="tx1"/>
+            </a:solidFill>
+          </a:ln>
+        </p:spPr>
+        <p:style>
+          <a:lnRef idx="2">
+            <a:schemeClr val="accent1">
+              <a:shade val="50000"/>
+            </a:schemeClr>
+          </a:lnRef>
+          <a:fillRef idx="1">
+            <a:schemeClr val="accent1"/>
+          </a:fillRef>
+          <a:effectRef idx="0">
+            <a:schemeClr val="accent1"/>
+          </a:effectRef>
+          <a:fontRef idx="minor">
+            <a:schemeClr val="lt1"/>
+          </a:fontRef>
+        </p:style>
+        <p:txBody>
+          <a:bodyPr rtlCol="0" anchor="ctr"/>
+          <a:lstStyle/>
+          <a:p>
+            <a:r>
+              <a:rPr lang="ko-KR" altLang="en-US" sz="1100" dirty="0">
+                <a:solidFill>
+                  <a:schemeClr val="tx1"/>
+                </a:solidFill>
+                <a:latin typeface="Tahoma" panose="020B0604030504040204" pitchFamily="34" charset="0"/>
+                <a:cs typeface="Tahoma" panose="020B0604030504040204" pitchFamily="34" charset="0"/>
+              </a:rPr>
+              <a:t>사무직 모집</a:t>
+            </a:r>
+            <a:endParaRPr lang="en-US" altLang="ko-KR" sz="1100" dirty="0">
+              <a:solidFill>
+                <a:schemeClr val="tx1"/>
+              </a:solidFill>
+              <a:latin typeface="Tahoma" panose="020B0604030504040204" pitchFamily="34" charset="0"/>
+              <a:cs typeface="Tahoma" panose="020B0604030504040204" pitchFamily="34" charset="0"/>
+            </a:endParaRPr>
+          </a:p>
+          <a:p>
+            <a:r>
+              <a:rPr lang="ko-KR" altLang="en-US" sz="800" dirty="0">
+                <a:solidFill>
+                  <a:schemeClr val="tx1"/>
+                </a:solidFill>
+                <a:latin typeface="Tahoma" panose="020B0604030504040204" pitchFamily="34" charset="0"/>
+                <a:cs typeface="Tahoma" panose="020B0604030504040204" pitchFamily="34" charset="0"/>
+              </a:rPr>
+              <a:t> 경력 무관</a:t>
+            </a:r>
+            <a:r>
+              <a:rPr lang="en-US" altLang="ko-KR" sz="800" dirty="0">
+                <a:solidFill>
+                  <a:schemeClr val="tx1"/>
+                </a:solidFill>
+                <a:latin typeface="Tahoma" panose="020B0604030504040204" pitchFamily="34" charset="0"/>
+                <a:cs typeface="Tahoma" panose="020B0604030504040204" pitchFamily="34" charset="0"/>
+              </a:rPr>
+              <a:t>, </a:t>
+            </a:r>
+            <a:r>
+              <a:rPr lang="ko-KR" altLang="en-US" sz="800" dirty="0">
+                <a:solidFill>
+                  <a:schemeClr val="tx1"/>
+                </a:solidFill>
+                <a:latin typeface="Tahoma" panose="020B0604030504040204" pitchFamily="34" charset="0"/>
+                <a:cs typeface="Tahoma" panose="020B0604030504040204" pitchFamily="34" charset="0"/>
+              </a:rPr>
+              <a:t>학력무관</a:t>
+            </a:r>
+          </a:p>
+        </p:txBody>
+      </p:sp>
+      <p:sp>
+        <p:nvSpPr>
+          <p:cNvPr id="30" name="TextBox 29">
+            <a:extLst>
+              <a:ext uri="{FF2B5EF4-FFF2-40B4-BE49-F238E27FC236}">
+                <a16:creationId xmlns:a16="http://schemas.microsoft.com/office/drawing/2014/main" id="{F3EE035E-F918-C553-4A83-D05F86D916AF}"/>
+              </a:ext>
+            </a:extLst>
+          </p:cNvPr>
+          <p:cNvSpPr txBox="1"/>
+          <p:nvPr/>
+        </p:nvSpPr>
+        <p:spPr>
+          <a:xfrm>
+            <a:off x="7417895" y="797419"/>
+            <a:ext cx="1372812" cy="400110"/>
+          </a:xfrm>
+          <a:prstGeom prst="rect">
+            <a:avLst/>
+          </a:prstGeom>
+          <a:noFill/>
+        </p:spPr>
+        <p:txBody>
+          <a:bodyPr wrap="none" rtlCol="0">
+            <a:spAutoFit/>
+          </a:bodyPr>
+          <a:lstStyle/>
+          <a:p>
+            <a:r>
+              <a:rPr lang="en-US" altLang="ko-KR" sz="2000" dirty="0">
+                <a:effectLst>
+                  <a:outerShdw blurRad="38100" dist="38100" dir="2700000" algn="tl">
+                    <a:srgbClr val="000000">
+                      <a:alpha val="43137"/>
+                    </a:srgbClr>
+                  </a:outerShdw>
+                </a:effectLst>
+                <a:latin typeface="Tahoma" panose="020B0604030504040204" pitchFamily="34" charset="0"/>
+                <a:cs typeface="Tahoma" panose="020B0604030504040204" pitchFamily="34" charset="0"/>
+              </a:rPr>
+              <a:t>On Project</a:t>
+            </a:r>
+            <a:endParaRPr lang="ko-KR" altLang="en-US" sz="2000" dirty="0">
+              <a:effectLst>
+                <a:outerShdw blurRad="38100" dist="38100" dir="2700000" algn="tl">
+                  <a:srgbClr val="000000">
+                    <a:alpha val="43137"/>
+                  </a:srgbClr>
+                </a:outerShdw>
+              </a:effectLst>
+              <a:latin typeface="Tahoma" panose="020B0604030504040204" pitchFamily="34" charset="0"/>
+              <a:cs typeface="Tahoma" panose="020B0604030504040204" pitchFamily="34" charset="0"/>
+            </a:endParaRPr>
+          </a:p>
+        </p:txBody>
+      </p:sp>
+      <p:sp>
+        <p:nvSpPr>
+          <p:cNvPr id="31" name="직사각형 30">
+            <a:extLst>
+              <a:ext uri="{FF2B5EF4-FFF2-40B4-BE49-F238E27FC236}">
+                <a16:creationId xmlns:a16="http://schemas.microsoft.com/office/drawing/2014/main" id="{441666D4-BAFD-0303-E174-0623A127AC28}"/>
+              </a:ext>
+            </a:extLst>
+          </p:cNvPr>
+          <p:cNvSpPr/>
+          <p:nvPr/>
+        </p:nvSpPr>
+        <p:spPr>
+          <a:xfrm>
+            <a:off x="6333060" y="1227774"/>
+            <a:ext cx="3537079" cy="599285"/>
+          </a:xfrm>
+          <a:prstGeom prst="rect">
+            <a:avLst/>
+          </a:prstGeom>
+          <a:solidFill>
+            <a:schemeClr val="bg1"/>
+          </a:solidFill>
+          <a:ln>
+            <a:solidFill>
+              <a:schemeClr val="tx1"/>
+            </a:solidFill>
+          </a:ln>
+        </p:spPr>
+        <p:style>
+          <a:lnRef idx="2">
+            <a:schemeClr val="accent1">
+              <a:shade val="50000"/>
+            </a:schemeClr>
+          </a:lnRef>
+          <a:fillRef idx="1">
+            <a:schemeClr val="accent1"/>
+          </a:fillRef>
+          <a:effectRef idx="0">
+            <a:schemeClr val="accent1"/>
+          </a:effectRef>
+          <a:fontRef idx="minor">
+            <a:schemeClr val="lt1"/>
+          </a:fontRef>
+        </p:style>
+        <p:txBody>
+          <a:bodyPr rtlCol="0" anchor="ctr"/>
+          <a:lstStyle/>
+          <a:p>
+            <a:r>
+              <a:rPr lang="en-US" altLang="ko-KR" sz="1100" dirty="0">
+                <a:solidFill>
+                  <a:schemeClr val="tx1"/>
+                </a:solidFill>
+              </a:rPr>
+              <a:t>OOO</a:t>
+            </a:r>
+            <a:r>
+              <a:rPr lang="ko-KR" altLang="en-US" sz="1100" dirty="0">
+                <a:solidFill>
+                  <a:schemeClr val="tx1"/>
+                </a:solidFill>
+              </a:rPr>
+              <a:t> 프로젝트 개발 현황</a:t>
+            </a:r>
+          </a:p>
+        </p:txBody>
+      </p:sp>
+      <p:sp>
+        <p:nvSpPr>
+          <p:cNvPr id="36" name="직사각형 35">
+            <a:extLst>
+              <a:ext uri="{FF2B5EF4-FFF2-40B4-BE49-F238E27FC236}">
+                <a16:creationId xmlns:a16="http://schemas.microsoft.com/office/drawing/2014/main" id="{1A47329A-8AD3-BB0A-8AD5-E8361AB3BDFE}"/>
+              </a:ext>
+            </a:extLst>
+          </p:cNvPr>
+          <p:cNvSpPr/>
+          <p:nvPr/>
+        </p:nvSpPr>
+        <p:spPr>
+          <a:xfrm>
+            <a:off x="6333057" y="1949147"/>
+            <a:ext cx="3537079" cy="599285"/>
+          </a:xfrm>
+          <a:prstGeom prst="rect">
+            <a:avLst/>
+          </a:prstGeom>
+          <a:solidFill>
+            <a:schemeClr val="bg1"/>
+          </a:solidFill>
+          <a:ln>
+            <a:solidFill>
+              <a:schemeClr val="tx1"/>
+            </a:solidFill>
+          </a:ln>
+        </p:spPr>
+        <p:style>
+          <a:lnRef idx="2">
+            <a:schemeClr val="accent1">
+              <a:shade val="50000"/>
+            </a:schemeClr>
+          </a:lnRef>
+          <a:fillRef idx="1">
+            <a:schemeClr val="accent1"/>
+          </a:fillRef>
+          <a:effectRef idx="0">
+            <a:schemeClr val="accent1"/>
+          </a:effectRef>
+          <a:fontRef idx="minor">
+            <a:schemeClr val="lt1"/>
+          </a:fontRef>
+        </p:style>
+        <p:txBody>
+          <a:bodyPr rtlCol="0" anchor="ctr"/>
+          <a:lstStyle/>
+          <a:p>
+            <a:r>
+              <a:rPr lang="en-US" altLang="ko-KR" sz="1100" dirty="0">
+                <a:solidFill>
+                  <a:schemeClr val="tx1"/>
+                </a:solidFill>
+              </a:rPr>
+              <a:t>OOOOO</a:t>
+            </a:r>
+            <a:r>
+              <a:rPr lang="ko-KR" altLang="en-US" sz="1100" dirty="0">
+                <a:solidFill>
+                  <a:schemeClr val="tx1"/>
+                </a:solidFill>
+              </a:rPr>
+              <a:t> 프로젝트 진행중입니다</a:t>
+            </a:r>
+            <a:r>
+              <a:rPr lang="en-US" altLang="ko-KR" sz="1100" dirty="0">
+                <a:solidFill>
+                  <a:schemeClr val="tx1"/>
+                </a:solidFill>
+              </a:rPr>
+              <a:t>.</a:t>
+            </a:r>
+            <a:endParaRPr lang="ko-KR" altLang="en-US" sz="1100" dirty="0">
+              <a:solidFill>
+                <a:schemeClr val="tx1"/>
+              </a:solidFill>
+            </a:endParaRPr>
+          </a:p>
+        </p:txBody>
+      </p:sp>
+      <p:sp>
+        <p:nvSpPr>
+          <p:cNvPr id="46" name="직사각형 45">
+            <a:extLst>
+              <a:ext uri="{FF2B5EF4-FFF2-40B4-BE49-F238E27FC236}">
+                <a16:creationId xmlns:a16="http://schemas.microsoft.com/office/drawing/2014/main" id="{B1DDA58D-2BDE-32DE-FD5F-C81BA119C1BC}"/>
+              </a:ext>
+            </a:extLst>
+          </p:cNvPr>
+          <p:cNvSpPr/>
+          <p:nvPr/>
+        </p:nvSpPr>
+        <p:spPr>
+          <a:xfrm>
+            <a:off x="6333058" y="2670521"/>
+            <a:ext cx="3537079" cy="599285"/>
+          </a:xfrm>
+          <a:prstGeom prst="rect">
+            <a:avLst/>
+          </a:prstGeom>
+          <a:solidFill>
+            <a:schemeClr val="bg1"/>
+          </a:solidFill>
+          <a:ln>
+            <a:solidFill>
+              <a:schemeClr val="tx1"/>
+            </a:solidFill>
+          </a:ln>
+        </p:spPr>
+        <p:style>
+          <a:lnRef idx="2">
+            <a:schemeClr val="accent1">
+              <a:shade val="50000"/>
+            </a:schemeClr>
+          </a:lnRef>
+          <a:fillRef idx="1">
+            <a:schemeClr val="accent1"/>
+          </a:fillRef>
+          <a:effectRef idx="0">
+            <a:schemeClr val="accent1"/>
+          </a:effectRef>
+          <a:fontRef idx="minor">
+            <a:schemeClr val="lt1"/>
+          </a:fontRef>
+        </p:style>
+        <p:txBody>
+          <a:bodyPr rtlCol="0" anchor="ctr"/>
+          <a:lstStyle/>
+          <a:p>
+            <a:endParaRPr lang="ko-KR" altLang="en-US" sz="1100" dirty="0">
+              <a:solidFill>
+                <a:schemeClr val="tx1"/>
+              </a:solidFill>
+            </a:endParaRPr>
+          </a:p>
+        </p:txBody>
+      </p:sp>
+      <p:sp>
+        <p:nvSpPr>
+          <p:cNvPr id="47" name="직사각형 46">
+            <a:extLst>
+              <a:ext uri="{FF2B5EF4-FFF2-40B4-BE49-F238E27FC236}">
+                <a16:creationId xmlns:a16="http://schemas.microsoft.com/office/drawing/2014/main" id="{D927200C-EA5B-E765-6C32-206A7EEBF6A5}"/>
+              </a:ext>
+            </a:extLst>
+          </p:cNvPr>
+          <p:cNvSpPr/>
+          <p:nvPr/>
+        </p:nvSpPr>
+        <p:spPr>
+          <a:xfrm>
+            <a:off x="9241833" y="901056"/>
+            <a:ext cx="742356" cy="248417"/>
+          </a:xfrm>
+          <a:prstGeom prst="rect">
+            <a:avLst/>
+          </a:prstGeom>
+          <a:solidFill>
+            <a:schemeClr val="bg1"/>
+          </a:solidFill>
+          <a:ln>
+            <a:solidFill>
+              <a:schemeClr val="tx1"/>
+            </a:solidFill>
+          </a:ln>
+        </p:spPr>
+        <p:style>
+          <a:lnRef idx="2">
+            <a:schemeClr val="accent1">
+              <a:shade val="50000"/>
+            </a:schemeClr>
+          </a:lnRef>
+          <a:fillRef idx="1">
+            <a:schemeClr val="accent1"/>
+          </a:fillRef>
+          <a:effectRef idx="0">
+            <a:schemeClr val="accent1"/>
+          </a:effectRef>
+          <a:fontRef idx="minor">
+            <a:schemeClr val="lt1"/>
+          </a:fontRef>
+        </p:style>
+        <p:txBody>
+          <a:bodyPr rtlCol="0" anchor="ctr"/>
+          <a:lstStyle/>
+          <a:p>
+            <a:pPr algn="ctr"/>
+            <a:r>
+              <a:rPr lang="en-US" altLang="ko-KR" sz="1100" dirty="0">
+                <a:solidFill>
+                  <a:schemeClr val="tx1"/>
+                </a:solidFill>
+              </a:rPr>
+              <a:t>View All</a:t>
+            </a:r>
+          </a:p>
+        </p:txBody>
+      </p:sp>
+    </p:spTree>
+    <p:extLst>
+      <p:ext uri="{BB962C8B-B14F-4D97-AF65-F5344CB8AC3E}">
+        <p14:creationId xmlns:p14="http://schemas.microsoft.com/office/powerpoint/2010/main" val="2624846213"/>
+      </p:ext>
+    </p:extLst>
+  </p:cSld>
+  <p:clrMapOvr>
+    <a:masterClrMapping/>
+  </p:clrMapOvr>
+</p:sld>
+</file>
+
 <file path=ppt/theme/theme1.xml><?xml version="1.0" encoding="utf-8"?>
 <a:theme xmlns:a="http://schemas.openxmlformats.org/drawingml/2006/main" name="Office 테마">
   <a:themeElements>
